--- a/卒業論文/2013/鈴木淳子/卒研中間ポスター.pptx
+++ b/卒業論文/2013/鈴木淳子/卒研中間ポスター.pptx
@@ -192,7 +192,7 @@
           <a:p>
             <a:fld id="{FD216639-CED4-47A0-B554-534581D7A030}" type="datetimeFigureOut">
               <a:rPr kumimoji="1" lang="ja-JP" altLang="en-US" smtClean="0"/>
-              <a:t>2014/10/2</a:t>
+              <a:t>2014/10/12</a:t>
             </a:fld>
             <a:endParaRPr kumimoji="1" lang="ja-JP" altLang="en-US"/>
           </a:p>
@@ -673,7 +673,7 @@
           <a:p>
             <a:fld id="{9F0F8175-46C5-4D67-8740-11699C1E35AF}" type="datetimeFigureOut">
               <a:rPr kumimoji="1" lang="ja-JP" altLang="en-US" smtClean="0"/>
-              <a:t>2014/10/2</a:t>
+              <a:t>2014/10/12</a:t>
             </a:fld>
             <a:endParaRPr kumimoji="1" lang="ja-JP" altLang="en-US"/>
           </a:p>
@@ -875,7 +875,7 @@
           <a:p>
             <a:fld id="{9F0F8175-46C5-4D67-8740-11699C1E35AF}" type="datetimeFigureOut">
               <a:rPr kumimoji="1" lang="ja-JP" altLang="en-US" smtClean="0"/>
-              <a:t>2014/10/2</a:t>
+              <a:t>2014/10/12</a:t>
             </a:fld>
             <a:endParaRPr kumimoji="1" lang="ja-JP" altLang="en-US"/>
           </a:p>
@@ -1087,7 +1087,7 @@
           <a:p>
             <a:fld id="{9F0F8175-46C5-4D67-8740-11699C1E35AF}" type="datetimeFigureOut">
               <a:rPr kumimoji="1" lang="ja-JP" altLang="en-US" smtClean="0"/>
-              <a:t>2014/10/2</a:t>
+              <a:t>2014/10/12</a:t>
             </a:fld>
             <a:endParaRPr kumimoji="1" lang="ja-JP" altLang="en-US"/>
           </a:p>
@@ -1289,7 +1289,7 @@
           <a:p>
             <a:fld id="{9F0F8175-46C5-4D67-8740-11699C1E35AF}" type="datetimeFigureOut">
               <a:rPr kumimoji="1" lang="ja-JP" altLang="en-US" smtClean="0"/>
-              <a:t>2014/10/2</a:t>
+              <a:t>2014/10/12</a:t>
             </a:fld>
             <a:endParaRPr kumimoji="1" lang="ja-JP" altLang="en-US"/>
           </a:p>
@@ -1535,7 +1535,7 @@
           <a:p>
             <a:fld id="{9F0F8175-46C5-4D67-8740-11699C1E35AF}" type="datetimeFigureOut">
               <a:rPr kumimoji="1" lang="ja-JP" altLang="en-US" smtClean="0"/>
-              <a:t>2014/10/2</a:t>
+              <a:t>2014/10/12</a:t>
             </a:fld>
             <a:endParaRPr kumimoji="1" lang="ja-JP" altLang="en-US"/>
           </a:p>
@@ -1887,7 +1887,7 @@
           <a:p>
             <a:fld id="{9F0F8175-46C5-4D67-8740-11699C1E35AF}" type="datetimeFigureOut">
               <a:rPr kumimoji="1" lang="ja-JP" altLang="en-US" smtClean="0"/>
-              <a:t>2014/10/2</a:t>
+              <a:t>2014/10/12</a:t>
             </a:fld>
             <a:endParaRPr kumimoji="1" lang="ja-JP" altLang="en-US"/>
           </a:p>
@@ -2378,7 +2378,7 @@
           <a:p>
             <a:fld id="{9F0F8175-46C5-4D67-8740-11699C1E35AF}" type="datetimeFigureOut">
               <a:rPr kumimoji="1" lang="ja-JP" altLang="en-US" smtClean="0"/>
-              <a:t>2014/10/2</a:t>
+              <a:t>2014/10/12</a:t>
             </a:fld>
             <a:endParaRPr kumimoji="1" lang="ja-JP" altLang="en-US"/>
           </a:p>
@@ -2496,7 +2496,7 @@
           <a:p>
             <a:fld id="{9F0F8175-46C5-4D67-8740-11699C1E35AF}" type="datetimeFigureOut">
               <a:rPr kumimoji="1" lang="ja-JP" altLang="en-US" smtClean="0"/>
-              <a:t>2014/10/2</a:t>
+              <a:t>2014/10/12</a:t>
             </a:fld>
             <a:endParaRPr kumimoji="1" lang="ja-JP" altLang="en-US"/>
           </a:p>
@@ -2591,7 +2591,7 @@
           <a:p>
             <a:fld id="{9F0F8175-46C5-4D67-8740-11699C1E35AF}" type="datetimeFigureOut">
               <a:rPr kumimoji="1" lang="ja-JP" altLang="en-US" smtClean="0"/>
-              <a:t>2014/10/2</a:t>
+              <a:t>2014/10/12</a:t>
             </a:fld>
             <a:endParaRPr kumimoji="1" lang="ja-JP" altLang="en-US"/>
           </a:p>
@@ -2900,7 +2900,7 @@
           <a:p>
             <a:fld id="{9F0F8175-46C5-4D67-8740-11699C1E35AF}" type="datetimeFigureOut">
               <a:rPr kumimoji="1" lang="ja-JP" altLang="en-US" smtClean="0"/>
-              <a:t>2014/10/2</a:t>
+              <a:t>2014/10/12</a:t>
             </a:fld>
             <a:endParaRPr kumimoji="1" lang="ja-JP" altLang="en-US"/>
           </a:p>
@@ -3153,7 +3153,7 @@
           <a:p>
             <a:fld id="{9F0F8175-46C5-4D67-8740-11699C1E35AF}" type="datetimeFigureOut">
               <a:rPr kumimoji="1" lang="ja-JP" altLang="en-US" smtClean="0"/>
-              <a:t>2014/10/2</a:t>
+              <a:t>2014/10/12</a:t>
             </a:fld>
             <a:endParaRPr kumimoji="1" lang="ja-JP" altLang="en-US"/>
           </a:p>
@@ -3403,7 +3403,7 @@
           <a:p>
             <a:fld id="{9F0F8175-46C5-4D67-8740-11699C1E35AF}" type="datetimeFigureOut">
               <a:rPr kumimoji="1" lang="ja-JP" altLang="en-US" smtClean="0"/>
-              <a:t>2014/10/2</a:t>
+              <a:t>2014/10/12</a:t>
             </a:fld>
             <a:endParaRPr kumimoji="1" lang="ja-JP" altLang="en-US"/>
           </a:p>
@@ -3787,7 +3787,7 @@
         <p:spPr>
           <a:xfrm>
             <a:off x="-842745" y="117545"/>
-            <a:ext cx="19385017" cy="3683657"/>
+            <a:ext cx="19385017" cy="3252770"/>
           </a:xfrm>
           <a:prstGeom prst="rect">
             <a:avLst/>
@@ -3819,7 +3819,7 @@
           <a:p>
             <a:pPr algn="ctr"/>
             <a:r>
-              <a:rPr lang="ja-JP" altLang="en-US" sz="11000" b="1" spc="161" dirty="0">
+              <a:rPr lang="ja-JP" altLang="en-US" sz="9600" b="1" spc="161" dirty="0">
                 <a:ln w="11430">
                   <a:solidFill>
                     <a:srgbClr val="00B050"/>
@@ -3839,7 +3839,7 @@
               </a:rPr>
               <a:t>物語を活用する</a:t>
             </a:r>
-            <a:endParaRPr lang="en-US" altLang="ja-JP" sz="11000" b="1" spc="161" dirty="0">
+            <a:endParaRPr lang="en-US" altLang="ja-JP" sz="9600" b="1" spc="161" dirty="0">
               <a:ln w="11430">
                 <a:solidFill>
                   <a:srgbClr val="00B050"/>
@@ -3861,7 +3861,7 @@
           <a:p>
             <a:pPr algn="ctr"/>
             <a:r>
-              <a:rPr lang="ja-JP" altLang="en-US" sz="11000" b="1" spc="161" dirty="0">
+              <a:rPr lang="ja-JP" altLang="en-US" sz="9600" b="1" spc="161" dirty="0">
                 <a:ln w="11430">
                   <a:solidFill>
                     <a:srgbClr val="00B050"/>
@@ -4146,7 +4146,7 @@
         </p:nvSpPr>
         <p:spPr>
           <a:xfrm>
-            <a:off x="12870510" y="5778947"/>
+            <a:off x="12870510" y="5750719"/>
             <a:ext cx="7399954" cy="1612404"/>
           </a:xfrm>
           <a:prstGeom prst="roundRect">
@@ -4460,16 +4460,16 @@
       </p:pic>
       <p:grpSp>
         <p:nvGrpSpPr>
-          <p:cNvPr id="50" name="グループ化 49"/>
+          <p:cNvPr id="2" name="グループ化 1"/>
           <p:cNvGrpSpPr/>
           <p:nvPr/>
         </p:nvGrpSpPr>
         <p:grpSpPr>
           <a:xfrm>
             <a:off x="360811" y="9434670"/>
-            <a:ext cx="20568434" cy="7909120"/>
-            <a:chOff x="360811" y="9667379"/>
-            <a:chExt cx="20568434" cy="7909120"/>
+            <a:ext cx="21105671" cy="7433509"/>
+            <a:chOff x="360811" y="9434670"/>
+            <a:chExt cx="21105671" cy="7433509"/>
           </a:xfrm>
         </p:grpSpPr>
         <p:sp>
@@ -4480,7 +4480,7 @@
           </p:nvSpPr>
           <p:spPr>
             <a:xfrm>
-              <a:off x="360811" y="9667379"/>
+              <a:off x="360811" y="9434670"/>
               <a:ext cx="20568434" cy="7416824"/>
             </a:xfrm>
             <a:prstGeom prst="roundRect">
@@ -4516,7 +4516,7 @@
             <a:lstStyle/>
             <a:p>
               <a:r>
-                <a:rPr lang="en-US" altLang="ja-JP" sz="6600" b="1" dirty="0" smtClean="0">
+                <a:rPr lang="en-US" altLang="ja-JP" sz="6000" b="1" dirty="0" smtClean="0">
                   <a:solidFill>
                     <a:schemeClr val="tx1"/>
                   </a:solidFill>
@@ -4526,7 +4526,7 @@
                 <a:t>TDS</a:t>
               </a:r>
               <a:r>
-                <a:rPr lang="ja-JP" altLang="en-US" sz="6600" b="1" dirty="0" smtClean="0">
+                <a:rPr lang="ja-JP" altLang="en-US" sz="6000" b="1" dirty="0" smtClean="0">
                   <a:solidFill>
                     <a:schemeClr val="tx1"/>
                   </a:solidFill>
@@ -4535,7 +4535,7 @@
                 </a:rPr>
                 <a:t>プロジェクト</a:t>
               </a:r>
-              <a:endParaRPr lang="en-US" altLang="ja-JP" sz="6600" b="1" dirty="0" smtClean="0">
+              <a:endParaRPr lang="en-US" altLang="ja-JP" sz="6000" b="1" dirty="0" smtClean="0">
                 <a:solidFill>
                   <a:schemeClr val="tx1"/>
                 </a:solidFill>
@@ -4545,7 +4545,7 @@
             </a:p>
             <a:p>
               <a:r>
-                <a:rPr lang="en-US" altLang="ja-JP" sz="4000" b="1" dirty="0" smtClean="0">
+                <a:rPr lang="en-US" altLang="ja-JP" sz="3600" b="1" dirty="0" smtClean="0">
                   <a:solidFill>
                     <a:schemeClr val="tx1"/>
                   </a:solidFill>
@@ -4555,7 +4555,7 @@
                 <a:t>2014/4/21</a:t>
               </a:r>
               <a:r>
-                <a:rPr lang="ja-JP" altLang="en-US" sz="4000" b="1" dirty="0" smtClean="0">
+                <a:rPr lang="ja-JP" altLang="en-US" sz="3600" b="1" dirty="0" smtClean="0">
                   <a:solidFill>
                     <a:schemeClr val="tx1"/>
                   </a:solidFill>
@@ -4565,34 +4565,46 @@
                 <a:t>～</a:t>
               </a:r>
               <a:r>
-                <a:rPr lang="en-US" altLang="ja-JP" sz="4000" b="1" dirty="0" smtClean="0">
+                <a:rPr lang="en-US" altLang="ja-JP" sz="3600" b="1" dirty="0" smtClean="0">
                   <a:solidFill>
                     <a:schemeClr val="tx1"/>
                   </a:solidFill>
                   <a:latin typeface="+mn-ea"/>
                   <a:ea typeface="小塚ゴシック Pr6N M"/>
                 </a:rPr>
-                <a:t>7</a:t>
+                <a:t>7/5</a:t>
               </a:r>
+            </a:p>
+            <a:p>
+              <a:endParaRPr lang="en-US" altLang="ja-JP" sz="3600" b="1" dirty="0" smtClean="0">
+                <a:solidFill>
+                  <a:schemeClr val="tx1"/>
+                </a:solidFill>
+                <a:latin typeface="+mn-ea"/>
+                <a:ea typeface="小塚ゴシック Pr6N M"/>
+              </a:endParaRPr>
+            </a:p>
+            <a:p>
               <a:r>
-                <a:rPr lang="en-US" altLang="ja-JP" sz="4000" b="1" dirty="0" smtClean="0">
+                <a:rPr lang="ja-JP" altLang="en-US" sz="4000" b="1" dirty="0" smtClean="0">
                   <a:solidFill>
                     <a:schemeClr val="tx1"/>
                   </a:solidFill>
                   <a:latin typeface="+mn-ea"/>
                   <a:ea typeface="小塚ゴシック Pr6N M"/>
                 </a:rPr>
-                <a:t>/5</a:t>
+                <a:t>矢吹グループの</a:t>
               </a:r>
-              <a:endParaRPr lang="en-US" altLang="ja-JP" sz="4000" b="1" dirty="0" smtClean="0">
-                <a:solidFill>
-                  <a:schemeClr val="tx1"/>
-                </a:solidFill>
-                <a:latin typeface="+mn-ea"/>
-                <a:ea typeface="小塚ゴシック Pr6N M"/>
-              </a:endParaRPr>
-            </a:p>
-            <a:p>
+              <a:r>
+                <a:rPr lang="ja-JP" altLang="en-US" sz="4000" b="1" dirty="0" smtClean="0">
+                  <a:solidFill>
+                    <a:schemeClr val="tx1"/>
+                  </a:solidFill>
+                  <a:latin typeface="+mn-ea"/>
+                  <a:ea typeface="小塚ゴシック Pr6N M"/>
+                </a:rPr>
+                <a:t>学生</a:t>
+              </a:r>
               <a:endParaRPr lang="en-US" altLang="ja-JP" sz="4000" b="1" dirty="0" smtClean="0">
                 <a:solidFill>
                   <a:schemeClr val="tx1"/>
@@ -4603,16 +4615,26 @@
             </a:p>
             <a:p>
               <a:r>
-                <a:rPr lang="ja-JP" altLang="en-US" sz="4400" b="1" dirty="0" smtClean="0">
+                <a:rPr lang="en-US" altLang="ja-JP" sz="4000" b="1" dirty="0">
                   <a:solidFill>
                     <a:schemeClr val="tx1"/>
                   </a:solidFill>
                   <a:latin typeface="+mn-ea"/>
                   <a:ea typeface="小塚ゴシック Pr6N M"/>
                 </a:rPr>
-                <a:t>矢吹グループの学生</a:t>
+                <a:t>	</a:t>
               </a:r>
-              <a:endParaRPr lang="en-US" altLang="ja-JP" sz="4400" b="1" dirty="0">
+              <a:r>
+                <a:rPr lang="ja-JP" altLang="en-US" sz="4000" b="1" dirty="0">
+                  <a:solidFill>
+                    <a:schemeClr val="tx1"/>
+                  </a:solidFill>
+                  <a:latin typeface="+mn-ea"/>
+                  <a:ea typeface="小塚ゴシック Pr6N M"/>
+                </a:rPr>
+                <a:t>１０名</a:t>
+              </a:r>
+              <a:endParaRPr lang="en-US" altLang="ja-JP" sz="4000" b="1" dirty="0">
                 <a:solidFill>
                   <a:schemeClr val="tx1"/>
                 </a:solidFill>
@@ -4630,9 +4652,9 @@
           </p:nvGrpSpPr>
           <p:grpSpPr>
             <a:xfrm>
-              <a:off x="1332360" y="13168893"/>
+              <a:off x="1332360" y="13267779"/>
               <a:ext cx="3927802" cy="2695486"/>
-              <a:chOff x="1148974" y="14599926"/>
+              <a:chOff x="1148974" y="14931521"/>
               <a:chExt cx="3927802" cy="2695486"/>
             </a:xfrm>
           </p:grpSpPr>
@@ -4644,9 +4666,9 @@
             </p:nvGrpSpPr>
             <p:grpSpPr>
               <a:xfrm>
-                <a:off x="1148974" y="14599926"/>
+                <a:off x="1148974" y="14931521"/>
                 <a:ext cx="1170383" cy="2187118"/>
-                <a:chOff x="3726372" y="15185117"/>
+                <a:chOff x="3726372" y="15516712"/>
                 <a:chExt cx="1170383" cy="2187118"/>
               </a:xfrm>
             </p:grpSpPr>
@@ -4658,7 +4680,7 @@
               </p:nvSpPr>
               <p:spPr>
                 <a:xfrm>
-                  <a:off x="3771504" y="16274365"/>
+                  <a:off x="3771504" y="16605960"/>
                   <a:ext cx="1080120" cy="1097870"/>
                 </a:xfrm>
                 <a:prstGeom prst="triangle">
@@ -4714,7 +4736,7 @@
               </p:nvSpPr>
               <p:spPr>
                 <a:xfrm>
-                  <a:off x="3726372" y="15185117"/>
+                  <a:off x="3726372" y="15516712"/>
                   <a:ext cx="1170383" cy="1170383"/>
                 </a:xfrm>
                 <a:prstGeom prst="ellipse">
@@ -4771,9 +4793,9 @@
             </p:nvGrpSpPr>
             <p:grpSpPr>
               <a:xfrm>
-                <a:off x="3906393" y="14599926"/>
+                <a:off x="3906393" y="14931521"/>
                 <a:ext cx="1170383" cy="2187118"/>
-                <a:chOff x="3726372" y="15185117"/>
+                <a:chOff x="3726372" y="15516712"/>
                 <a:chExt cx="1170383" cy="2187118"/>
               </a:xfrm>
             </p:grpSpPr>
@@ -4785,7 +4807,7 @@
               </p:nvSpPr>
               <p:spPr>
                 <a:xfrm>
-                  <a:off x="3771504" y="16274365"/>
+                  <a:off x="3771504" y="16605960"/>
                   <a:ext cx="1080120" cy="1097870"/>
                 </a:xfrm>
                 <a:prstGeom prst="triangle">
@@ -4841,7 +4863,7 @@
               </p:nvSpPr>
               <p:spPr>
                 <a:xfrm>
-                  <a:off x="3726372" y="15185117"/>
+                  <a:off x="3726372" y="15516712"/>
                   <a:ext cx="1170383" cy="1170383"/>
                 </a:xfrm>
                 <a:prstGeom prst="ellipse">
@@ -4898,9 +4920,9 @@
             </p:nvGrpSpPr>
             <p:grpSpPr>
               <a:xfrm>
-                <a:off x="2517126" y="15108294"/>
+                <a:off x="2517126" y="15439889"/>
                 <a:ext cx="1170383" cy="2187118"/>
-                <a:chOff x="3726372" y="15185117"/>
+                <a:chOff x="3726372" y="15516712"/>
                 <a:chExt cx="1170383" cy="2187118"/>
               </a:xfrm>
             </p:grpSpPr>
@@ -4912,7 +4934,7 @@
               </p:nvSpPr>
               <p:spPr>
                 <a:xfrm>
-                  <a:off x="3771504" y="16274365"/>
+                  <a:off x="3771504" y="16605960"/>
                   <a:ext cx="1080120" cy="1097870"/>
                 </a:xfrm>
                 <a:prstGeom prst="triangle">
@@ -4968,7 +4990,7 @@
               </p:nvSpPr>
               <p:spPr>
                 <a:xfrm>
-                  <a:off x="3726372" y="15185117"/>
+                  <a:off x="3726372" y="15516712"/>
                   <a:ext cx="1170383" cy="1170383"/>
                 </a:xfrm>
                 <a:prstGeom prst="ellipse">
@@ -5026,167 +5048,167 @@
           </p:nvSpPr>
           <p:spPr>
             <a:xfrm>
-              <a:off x="6564680" y="10836192"/>
-              <a:ext cx="14013442" cy="6740307"/>
+              <a:off x="7453040" y="10866536"/>
+              <a:ext cx="14013442" cy="6001643"/>
             </a:xfrm>
             <a:prstGeom prst="rect">
               <a:avLst/>
             </a:prstGeom>
           </p:spPr>
           <p:txBody>
-            <a:bodyPr wrap="square">
+            <a:bodyPr wrap="square" anchor="ctr">
               <a:spAutoFit/>
             </a:bodyPr>
             <a:lstStyle/>
             <a:p>
               <a:r>
-                <a:rPr lang="ja-JP" altLang="en-US" sz="5400" b="1" dirty="0" smtClean="0">
+                <a:rPr lang="ja-JP" altLang="en-US" sz="4800" b="1" dirty="0" smtClean="0">
                   <a:latin typeface="+mn-ea"/>
                   <a:ea typeface="小塚ゴシック Pr6N M"/>
                 </a:rPr>
                 <a:t>①東京ディズニーシーに関する物語の調査</a:t>
               </a:r>
-              <a:endParaRPr lang="en-US" altLang="ja-JP" sz="5400" b="1" dirty="0" smtClean="0">
+              <a:endParaRPr lang="en-US" altLang="ja-JP" sz="4800" b="1" dirty="0" smtClean="0">
                 <a:latin typeface="+mn-ea"/>
                 <a:ea typeface="小塚ゴシック Pr6N M"/>
               </a:endParaRPr>
             </a:p>
             <a:p>
               <a:r>
-                <a:rPr lang="ja-JP" altLang="en-US" sz="5400" b="1" dirty="0" smtClean="0">
+                <a:rPr lang="ja-JP" altLang="en-US" sz="4800" b="1" dirty="0" smtClean="0">
                   <a:latin typeface="+mn-ea"/>
                   <a:ea typeface="小塚ゴシック Pr6N M"/>
                 </a:rPr>
                 <a:t>②調査した物語から，テーマにする物語を選択</a:t>
               </a:r>
-              <a:endParaRPr lang="en-US" altLang="ja-JP" sz="5400" b="1" dirty="0" smtClean="0">
+              <a:endParaRPr lang="en-US" altLang="ja-JP" sz="4800" b="1" dirty="0" smtClean="0">
                 <a:latin typeface="+mn-ea"/>
                 <a:ea typeface="小塚ゴシック Pr6N M"/>
               </a:endParaRPr>
             </a:p>
             <a:p>
               <a:r>
-                <a:rPr lang="ja-JP" altLang="en-US" sz="5400" b="1" dirty="0" smtClean="0">
+                <a:rPr lang="ja-JP" altLang="en-US" sz="4800" b="1" dirty="0" smtClean="0">
                   <a:latin typeface="+mn-ea"/>
                   <a:ea typeface="小塚ゴシック Pr6N M"/>
                 </a:rPr>
                 <a:t>③テーマにした物語を再度調査及び整理</a:t>
               </a:r>
-              <a:endParaRPr lang="en-US" altLang="ja-JP" sz="5400" b="1" dirty="0" smtClean="0">
+              <a:endParaRPr lang="en-US" altLang="ja-JP" sz="4800" b="1" dirty="0" smtClean="0">
                 <a:latin typeface="+mn-ea"/>
                 <a:ea typeface="小塚ゴシック Pr6N M"/>
               </a:endParaRPr>
             </a:p>
             <a:p>
               <a:r>
-                <a:rPr lang="ja-JP" altLang="en-US" sz="5400" b="1" dirty="0" smtClean="0">
+                <a:rPr lang="ja-JP" altLang="en-US" sz="4800" b="1" dirty="0" smtClean="0">
                   <a:latin typeface="+mn-ea"/>
                   <a:ea typeface="小塚ゴシック Pr6N M"/>
                 </a:rPr>
                 <a:t>④</a:t>
               </a:r>
               <a:r>
-                <a:rPr lang="en-US" altLang="ja-JP" sz="5400" b="1" dirty="0" smtClean="0">
+                <a:rPr lang="ja-JP" altLang="en-US" sz="4800" b="1" dirty="0">
                   <a:latin typeface="+mn-ea"/>
                   <a:ea typeface="小塚ゴシック Pr6N M"/>
                 </a:rPr>
-                <a:t>PMBOK</a:t>
+                <a:t>ＰＭＢＯＫ</a:t>
               </a:r>
               <a:r>
-                <a:rPr lang="ja-JP" altLang="en-US" sz="5400" b="1" dirty="0" smtClean="0">
+                <a:rPr lang="ja-JP" altLang="en-US" sz="4800" b="1" dirty="0" smtClean="0">
                   <a:latin typeface="+mn-ea"/>
                   <a:ea typeface="小塚ゴシック Pr6N M"/>
                 </a:rPr>
                 <a:t>「</a:t>
               </a:r>
               <a:r>
-                <a:rPr lang="en-US" altLang="ja-JP" sz="5400" b="1" dirty="0" smtClean="0">
+                <a:rPr lang="en-US" altLang="ja-JP" sz="4800" b="1" dirty="0" smtClean="0">
                   <a:latin typeface="+mn-ea"/>
                   <a:ea typeface="小塚ゴシック Pr6N M"/>
                 </a:rPr>
                 <a:t>9</a:t>
               </a:r>
               <a:r>
-                <a:rPr lang="ja-JP" altLang="en-US" sz="5400" b="1" dirty="0" err="1" smtClean="0">
+                <a:rPr lang="ja-JP" altLang="en-US" sz="4800" b="1" dirty="0" err="1" smtClean="0">
                   <a:latin typeface="+mn-ea"/>
                   <a:ea typeface="小塚ゴシック Pr6N M"/>
                 </a:rPr>
                 <a:t>つの</a:t>
               </a:r>
               <a:r>
-                <a:rPr lang="ja-JP" altLang="en-US" sz="5400" b="1" dirty="0" smtClean="0">
+                <a:rPr lang="ja-JP" altLang="en-US" sz="4800" b="1" dirty="0" smtClean="0">
                   <a:latin typeface="+mn-ea"/>
                   <a:ea typeface="小塚ゴシック Pr6N M"/>
                 </a:rPr>
                 <a:t>知識エリア」について学習</a:t>
               </a:r>
-              <a:endParaRPr lang="en-US" altLang="ja-JP" sz="5400" b="1" dirty="0" smtClean="0">
+              <a:endParaRPr lang="en-US" altLang="ja-JP" sz="4800" b="1" dirty="0" smtClean="0">
                 <a:latin typeface="+mn-ea"/>
                 <a:ea typeface="小塚ゴシック Pr6N M"/>
               </a:endParaRPr>
             </a:p>
             <a:p>
               <a:r>
-                <a:rPr lang="ja-JP" altLang="en-US" sz="5400" b="1" dirty="0" smtClean="0">
+                <a:rPr lang="ja-JP" altLang="en-US" sz="4800" b="1" dirty="0" smtClean="0">
                   <a:latin typeface="+mn-ea"/>
                   <a:ea typeface="小塚ゴシック Pr6N M"/>
                 </a:rPr>
                 <a:t>⑤テーマにした物語を「</a:t>
               </a:r>
               <a:r>
-                <a:rPr lang="en-US" altLang="ja-JP" sz="5400" b="1" dirty="0" smtClean="0">
+                <a:rPr lang="en-US" altLang="ja-JP" sz="4800" b="1" dirty="0" smtClean="0">
                   <a:latin typeface="+mn-ea"/>
                   <a:ea typeface="小塚ゴシック Pr6N M"/>
                 </a:rPr>
                 <a:t>9</a:t>
               </a:r>
               <a:r>
-                <a:rPr lang="ja-JP" altLang="en-US" sz="5400" b="1" dirty="0" err="1" smtClean="0">
+                <a:rPr lang="ja-JP" altLang="en-US" sz="4800" b="1" dirty="0" err="1" smtClean="0">
                   <a:latin typeface="+mn-ea"/>
                   <a:ea typeface="小塚ゴシック Pr6N M"/>
                 </a:rPr>
                 <a:t>つの</a:t>
               </a:r>
               <a:r>
-                <a:rPr lang="ja-JP" altLang="en-US" sz="5400" b="1" dirty="0" smtClean="0">
+                <a:rPr lang="ja-JP" altLang="en-US" sz="4800" b="1" dirty="0" smtClean="0">
                   <a:latin typeface="+mn-ea"/>
                   <a:ea typeface="小塚ゴシック Pr6N M"/>
                 </a:rPr>
                 <a:t>知識エリア」に</a:t>
               </a:r>
-              <a:endParaRPr lang="en-US" altLang="ja-JP" sz="5400" b="1" dirty="0" smtClean="0">
+              <a:endParaRPr lang="en-US" altLang="ja-JP" sz="4800" b="1" dirty="0" smtClean="0">
                 <a:latin typeface="+mn-ea"/>
                 <a:ea typeface="小塚ゴシック Pr6N M"/>
               </a:endParaRPr>
             </a:p>
             <a:p>
               <a:r>
-                <a:rPr lang="ja-JP" altLang="en-US" sz="5400" b="1" dirty="0" smtClean="0">
+                <a:rPr lang="ja-JP" altLang="en-US" sz="4800" b="1" dirty="0" smtClean="0">
                   <a:latin typeface="+mn-ea"/>
                   <a:ea typeface="小塚ゴシック Pr6N M"/>
                 </a:rPr>
                 <a:t>　 当てはめて，マネジメントについての考察</a:t>
               </a:r>
-              <a:endParaRPr lang="en-US" altLang="ja-JP" sz="5400" b="1" dirty="0" smtClean="0">
+              <a:endParaRPr lang="en-US" altLang="ja-JP" sz="4800" b="1" dirty="0" smtClean="0">
                 <a:latin typeface="+mn-ea"/>
                 <a:ea typeface="小塚ゴシック Pr6N M"/>
               </a:endParaRPr>
             </a:p>
             <a:p>
               <a:r>
-                <a:rPr lang="ja-JP" altLang="en-US" sz="5400" b="1" dirty="0" smtClean="0">
+                <a:rPr lang="ja-JP" altLang="en-US" sz="4800" b="1" dirty="0" smtClean="0">
                   <a:latin typeface="+mn-ea"/>
                   <a:ea typeface="小塚ゴシック Pr6N M"/>
                 </a:rPr>
                 <a:t>⑥考察をもとに，オリジナルストーリーの作成</a:t>
               </a:r>
-              <a:endParaRPr lang="ja-JP" altLang="ja-JP" sz="5400" b="1" dirty="0">
+              <a:endParaRPr lang="ja-JP" altLang="ja-JP" sz="4800" b="1" dirty="0">
                 <a:latin typeface="+mn-ea"/>
                 <a:ea typeface="小塚ゴシック Pr6N M"/>
               </a:endParaRPr>
             </a:p>
             <a:p>
-              <a:endParaRPr lang="ja-JP" altLang="ja-JP" sz="5400" b="1" dirty="0">
+              <a:endParaRPr lang="ja-JP" altLang="ja-JP" sz="4800" b="1" dirty="0">
                 <a:latin typeface="+mn-ea"/>
                 <a:ea typeface="小塚ゴシック Pr6N M"/>
               </a:endParaRPr>
@@ -5202,7 +5224,7 @@
         </p:nvSpPr>
         <p:spPr>
           <a:xfrm>
-            <a:off x="303890" y="17084203"/>
+            <a:off x="303890" y="17156211"/>
             <a:ext cx="20568434" cy="5616624"/>
           </a:xfrm>
           <a:prstGeom prst="roundRect">
@@ -5672,8 +5694,8 @@
         </p:nvSpPr>
         <p:spPr>
           <a:xfrm>
-            <a:off x="684287" y="23204884"/>
-            <a:ext cx="14689633" cy="7940635"/>
+            <a:off x="684287" y="23349469"/>
+            <a:ext cx="14689633" cy="7848302"/>
           </a:xfrm>
           <a:prstGeom prst="rect">
             <a:avLst/>
@@ -5681,18 +5703,18 @@
           <a:noFill/>
         </p:spPr>
         <p:txBody>
-          <a:bodyPr wrap="square" rtlCol="0">
+          <a:bodyPr wrap="square" rtlCol="0" anchor="ctr">
             <a:spAutoFit/>
           </a:bodyPr>
           <a:lstStyle/>
           <a:p>
             <a:r>
-              <a:rPr kumimoji="1" lang="ja-JP" altLang="en-US" sz="6600" b="1" dirty="0" smtClean="0">
+              <a:rPr kumimoji="1" lang="ja-JP" altLang="en-US" sz="6000" b="1" dirty="0" smtClean="0">
                 <a:ea typeface="小塚ゴシック Pr6N M"/>
               </a:rPr>
               <a:t>現在の進捗（完了項目）</a:t>
             </a:r>
-            <a:endParaRPr kumimoji="1" lang="en-US" altLang="ja-JP" sz="6600" b="1" dirty="0" smtClean="0">
+            <a:endParaRPr kumimoji="1" lang="en-US" altLang="ja-JP" sz="6000" b="1" dirty="0" smtClean="0">
               <a:ea typeface="小塚ゴシック Pr6N M"/>
             </a:endParaRPr>
           </a:p>
@@ -5702,12 +5724,12 @@
               <a:buChar char="•"/>
             </a:pPr>
             <a:r>
-              <a:rPr kumimoji="1" lang="ja-JP" altLang="en-US" sz="5400" b="1" dirty="0" smtClean="0">
+              <a:rPr kumimoji="1" lang="ja-JP" altLang="en-US" sz="4800" b="1" dirty="0" smtClean="0">
                 <a:ea typeface="小塚ゴシック Pr6N M"/>
               </a:rPr>
               <a:t>オリジナルプログラム実施</a:t>
             </a:r>
-            <a:endParaRPr kumimoji="1" lang="en-US" altLang="ja-JP" sz="5400" b="1" dirty="0" smtClean="0">
+            <a:endParaRPr kumimoji="1" lang="en-US" altLang="ja-JP" sz="4800" b="1" dirty="0" smtClean="0">
               <a:ea typeface="小塚ゴシック Pr6N M"/>
             </a:endParaRPr>
           </a:p>
@@ -5717,29 +5739,29 @@
               <a:buChar char="•"/>
             </a:pPr>
             <a:r>
-              <a:rPr kumimoji="1" lang="ja-JP" altLang="en-US" sz="5400" b="1" dirty="0" smtClean="0">
+              <a:rPr kumimoji="1" lang="ja-JP" altLang="en-US" sz="4800" b="1" dirty="0" smtClean="0">
                 <a:ea typeface="小塚ゴシック Pr6N M"/>
               </a:rPr>
               <a:t>矢吹グループへのアンケート調査</a:t>
             </a:r>
-            <a:endParaRPr lang="en-US" altLang="ja-JP" sz="5400" b="1" dirty="0" smtClean="0">
+            <a:endParaRPr lang="en-US" altLang="ja-JP" sz="4800" b="1" dirty="0" smtClean="0">
               <a:ea typeface="小塚ゴシック Pr6N M"/>
             </a:endParaRPr>
           </a:p>
           <a:p>
             <a:r>
-              <a:rPr lang="ja-JP" altLang="en-US" sz="6600" b="1" dirty="0" smtClean="0">
+              <a:rPr lang="ja-JP" altLang="en-US" sz="6000" b="1" dirty="0" smtClean="0">
                 <a:ea typeface="小塚ゴシック Pr6N M"/>
               </a:rPr>
               <a:t>これから</a:t>
             </a:r>
             <a:r>
-              <a:rPr lang="ja-JP" altLang="en-US" sz="6600" b="1" dirty="0">
+              <a:rPr lang="ja-JP" altLang="en-US" sz="6000" b="1" dirty="0">
                 <a:ea typeface="小塚ゴシック Pr6N M"/>
               </a:rPr>
               <a:t>の作業</a:t>
             </a:r>
-            <a:endParaRPr lang="en-US" altLang="ja-JP" sz="6600" b="1" dirty="0">
+            <a:endParaRPr lang="en-US" altLang="ja-JP" sz="6000" b="1" dirty="0">
               <a:ea typeface="小塚ゴシック Pr6N M"/>
             </a:endParaRPr>
           </a:p>
@@ -5749,41 +5771,70 @@
               <a:buChar char="•"/>
             </a:pPr>
             <a:r>
-              <a:rPr lang="ja-JP" altLang="ja-JP" sz="5400" b="1" dirty="0" smtClean="0">
+              <a:rPr lang="ja-JP" altLang="ja-JP" sz="4800" b="1" dirty="0" smtClean="0">
                 <a:ea typeface="小塚ゴシック Pr6N M"/>
               </a:rPr>
               <a:t>学生の成績</a:t>
             </a:r>
             <a:r>
-              <a:rPr lang="ja-JP" altLang="en-US" sz="5400" b="1" dirty="0" smtClean="0">
+              <a:rPr lang="ja-JP" altLang="en-US" sz="4800" b="1" dirty="0" smtClean="0">
                 <a:ea typeface="小塚ゴシック Pr6N M"/>
               </a:rPr>
               <a:t>を収集</a:t>
             </a:r>
             <a:r>
-              <a:rPr lang="ja-JP" altLang="ja-JP" sz="5400" b="1" dirty="0" smtClean="0">
+              <a:rPr lang="ja-JP" altLang="ja-JP" sz="4800" b="1" dirty="0" smtClean="0">
                 <a:ea typeface="小塚ゴシック Pr6N M"/>
               </a:rPr>
               <a:t>（一般的な科目の成績と</a:t>
             </a:r>
-            <a:endParaRPr lang="en-US" altLang="ja-JP" sz="5400" b="1" dirty="0" smtClean="0">
+            <a:endParaRPr lang="en-US" altLang="ja-JP" sz="4800" b="1" dirty="0" smtClean="0">
               <a:ea typeface="小塚ゴシック Pr6N M"/>
             </a:endParaRPr>
           </a:p>
           <a:p>
             <a:r>
-              <a:rPr lang="ja-JP" altLang="en-US" sz="5400" b="1" dirty="0" smtClean="0">
+              <a:rPr lang="ja-JP" altLang="en-US" sz="4800" b="1" dirty="0" smtClean="0">
                 <a:ea typeface="小塚ゴシック Pr6N M"/>
               </a:rPr>
               <a:t>　　</a:t>
             </a:r>
             <a:r>
-              <a:rPr lang="ja-JP" altLang="ja-JP" sz="5400" b="1" dirty="0" smtClean="0">
+              <a:rPr lang="ja-JP" altLang="ja-JP" sz="4800" b="1" dirty="0" smtClean="0">
                 <a:ea typeface="小塚ゴシック Pr6N M"/>
               </a:rPr>
-              <a:t>プロジェクトマネジメントに関する授業の成績）</a:t>
-            </a:r>
-            <a:endParaRPr lang="en-US" altLang="ja-JP" sz="5400" b="1" dirty="0" smtClean="0">
+              <a:t>プロジェクトマネジメントに</a:t>
+            </a:r>
+            <a:r>
+              <a:rPr lang="ja-JP" altLang="ja-JP" sz="4800" b="1" dirty="0" smtClean="0">
+                <a:ea typeface="小塚ゴシック Pr6N M"/>
+              </a:rPr>
+              <a:t>関する</a:t>
+            </a:r>
+            <a:endParaRPr lang="en-US" altLang="ja-JP" sz="4800" b="1" dirty="0">
+              <a:ea typeface="小塚ゴシック Pr6N M"/>
+            </a:endParaRPr>
+          </a:p>
+          <a:p>
+            <a:r>
+              <a:rPr lang="en-US" altLang="ja-JP" sz="4800" b="1" dirty="0" smtClean="0">
+                <a:ea typeface="小塚ゴシック Pr6N M"/>
+              </a:rPr>
+              <a:t>			</a:t>
+            </a:r>
+            <a:r>
+              <a:rPr lang="ja-JP" altLang="ja-JP" sz="4800" b="1" dirty="0" smtClean="0">
+                <a:ea typeface="小塚ゴシック Pr6N M"/>
+              </a:rPr>
+              <a:t>授業</a:t>
+            </a:r>
+            <a:r>
+              <a:rPr lang="ja-JP" altLang="ja-JP" sz="4800" b="1" dirty="0" smtClean="0">
+                <a:ea typeface="小塚ゴシック Pr6N M"/>
+              </a:rPr>
+              <a:t>の成績）</a:t>
+            </a:r>
+            <a:endParaRPr lang="en-US" altLang="ja-JP" sz="4800" b="1" dirty="0" smtClean="0">
               <a:ea typeface="小塚ゴシック Pr6N M"/>
             </a:endParaRPr>
           </a:p>
@@ -5793,12 +5844,12 @@
               <a:buChar char="•"/>
             </a:pPr>
             <a:r>
-              <a:rPr lang="ja-JP" altLang="en-US" sz="5400" b="1" dirty="0" smtClean="0">
+              <a:rPr lang="ja-JP" altLang="en-US" sz="4800" b="1" dirty="0" smtClean="0">
                 <a:ea typeface="小塚ゴシック Pr6N M"/>
               </a:rPr>
               <a:t>成績の分析及び考察</a:t>
             </a:r>
-            <a:endParaRPr lang="ja-JP" altLang="ja-JP" sz="5400" b="1" dirty="0" smtClean="0">
+            <a:endParaRPr lang="ja-JP" altLang="ja-JP" sz="4800" b="1" dirty="0" smtClean="0">
               <a:ea typeface="小塚ゴシック Pr6N M"/>
             </a:endParaRPr>
           </a:p>
@@ -5807,7 +5858,7 @@
               <a:buFont typeface="Arial" panose="020B0604020202020204" pitchFamily="34" charset="0"/>
               <a:buChar char="•"/>
             </a:pPr>
-            <a:endParaRPr lang="ja-JP" altLang="en-US" sz="5400" b="1" dirty="0">
+            <a:endParaRPr lang="ja-JP" altLang="en-US" sz="4800" b="1" dirty="0">
               <a:ea typeface="小塚ゴシック Pr6N M"/>
             </a:endParaRPr>
           </a:p>
@@ -5816,7 +5867,7 @@
               <a:buFont typeface="Arial" panose="020B0604020202020204" pitchFamily="34" charset="0"/>
               <a:buChar char="•"/>
             </a:pPr>
-            <a:endParaRPr kumimoji="1" lang="ja-JP" altLang="en-US" sz="5400" b="1" dirty="0">
+            <a:endParaRPr kumimoji="1" lang="ja-JP" altLang="en-US" sz="4800" b="1" dirty="0">
               <a:ea typeface="小塚ゴシック Pr6N M"/>
             </a:endParaRPr>
           </a:p>
@@ -5830,8 +5881,8 @@
         </p:nvSpPr>
         <p:spPr>
           <a:xfrm>
-            <a:off x="5436816" y="9523363"/>
-            <a:ext cx="15193688" cy="1323439"/>
+            <a:off x="6084888" y="9691186"/>
+            <a:ext cx="15193688" cy="1200329"/>
           </a:xfrm>
           <a:prstGeom prst="rect">
             <a:avLst/>
@@ -5846,7 +5897,7 @@
           <a:p>
             <a:pPr algn="ctr"/>
             <a:r>
-              <a:rPr lang="ja-JP" altLang="en-US" sz="8000" b="1" dirty="0" smtClean="0">
+              <a:rPr lang="ja-JP" altLang="en-US" sz="7200" b="1" dirty="0" smtClean="0">
                 <a:ln w="19050">
                   <a:solidFill>
                     <a:schemeClr val="tx2">
@@ -5870,7 +5921,7 @@
               </a:rPr>
               <a:t>オリジナルプログラムの実施</a:t>
             </a:r>
-            <a:endParaRPr kumimoji="1" lang="ja-JP" altLang="en-US" sz="8000" b="1" dirty="0">
+            <a:endParaRPr kumimoji="1" lang="ja-JP" altLang="en-US" sz="7200" b="1" dirty="0">
               <a:ln w="19050">
                 <a:solidFill>
                   <a:schemeClr val="tx2">
@@ -6037,7 +6088,7 @@
         </p:nvSpPr>
         <p:spPr>
           <a:xfrm>
-            <a:off x="13033659" y="18956411"/>
+            <a:off x="13033659" y="20036531"/>
             <a:ext cx="252029" cy="246190"/>
           </a:xfrm>
           <a:prstGeom prst="ellipse">
@@ -6085,7 +6136,7 @@
         </p:nvSpPr>
         <p:spPr>
           <a:xfrm>
-            <a:off x="13033659" y="18782229"/>
+            <a:off x="13033659" y="19502309"/>
             <a:ext cx="252029" cy="246190"/>
           </a:xfrm>
           <a:prstGeom prst="ellipse">
@@ -6139,7 +6190,7 @@
         </p:nvSpPr>
         <p:spPr>
           <a:xfrm>
-            <a:off x="16778075" y="18020307"/>
+            <a:off x="16742072" y="18482521"/>
             <a:ext cx="252029" cy="246190"/>
           </a:xfrm>
           <a:prstGeom prst="ellipse">
@@ -6187,7 +6238,7 @@
         </p:nvSpPr>
         <p:spPr>
           <a:xfrm>
-            <a:off x="16778075" y="17846125"/>
+            <a:off x="16742072" y="18122481"/>
             <a:ext cx="252029" cy="246190"/>
           </a:xfrm>
           <a:prstGeom prst="ellipse">
@@ -6241,7 +6292,7 @@
         </p:nvSpPr>
         <p:spPr>
           <a:xfrm>
-            <a:off x="16166008" y="20603350"/>
+            <a:off x="16886088" y="21232258"/>
             <a:ext cx="378043" cy="369285"/>
           </a:xfrm>
           <a:prstGeom prst="ellipse">
@@ -6289,7 +6340,7 @@
         </p:nvSpPr>
         <p:spPr>
           <a:xfrm>
-            <a:off x="16166008" y="19980891"/>
+            <a:off x="16886088" y="20609799"/>
             <a:ext cx="378043" cy="369285"/>
           </a:xfrm>
           <a:prstGeom prst="ellipse">
@@ -6343,7 +6394,7 @@
         </p:nvSpPr>
         <p:spPr>
           <a:xfrm>
-            <a:off x="14473819" y="18638213"/>
+            <a:off x="14473819" y="19172435"/>
             <a:ext cx="252029" cy="246190"/>
           </a:xfrm>
           <a:prstGeom prst="ellipse">
@@ -6391,7 +6442,7 @@
         </p:nvSpPr>
         <p:spPr>
           <a:xfrm>
-            <a:off x="14473819" y="18494197"/>
+            <a:off x="14581832" y="19100427"/>
             <a:ext cx="252029" cy="246190"/>
           </a:xfrm>
           <a:prstGeom prst="ellipse">
@@ -6445,8 +6496,8 @@
         </p:nvSpPr>
         <p:spPr>
           <a:xfrm>
-            <a:off x="16651768" y="19937176"/>
-            <a:ext cx="3781008" cy="584775"/>
+            <a:off x="17371848" y="20566084"/>
+            <a:ext cx="3781008" cy="523220"/>
           </a:xfrm>
           <a:prstGeom prst="rect">
             <a:avLst/>
@@ -6460,12 +6511,12 @@
           <a:lstStyle/>
           <a:p>
             <a:r>
-              <a:rPr kumimoji="1" lang="ja-JP" altLang="en-US" sz="3200" b="1" dirty="0" smtClean="0">
+              <a:rPr kumimoji="1" lang="ja-JP" altLang="en-US" sz="2800" b="1" dirty="0" smtClean="0">
                 <a:ea typeface="小塚ゴシック Pr6N M"/>
               </a:rPr>
               <a:t>矢吹グループの学生</a:t>
             </a:r>
-            <a:endParaRPr kumimoji="1" lang="ja-JP" altLang="en-US" sz="3200" b="1" dirty="0">
+            <a:endParaRPr kumimoji="1" lang="ja-JP" altLang="en-US" sz="2800" b="1" dirty="0">
               <a:ea typeface="小塚ゴシック Pr6N M"/>
             </a:endParaRPr>
           </a:p>
@@ -6479,8 +6530,8 @@
         </p:nvSpPr>
         <p:spPr>
           <a:xfrm>
-            <a:off x="16651768" y="20540587"/>
-            <a:ext cx="3781008" cy="584775"/>
+            <a:off x="17371848" y="21169495"/>
+            <a:ext cx="3781008" cy="523220"/>
           </a:xfrm>
           <a:prstGeom prst="rect">
             <a:avLst/>
@@ -6494,18 +6545,18 @@
           <a:lstStyle/>
           <a:p>
             <a:r>
-              <a:rPr lang="ja-JP" altLang="en-US" sz="3200" b="1" dirty="0">
+              <a:rPr lang="ja-JP" altLang="en-US" sz="2800" b="1" dirty="0">
                 <a:ea typeface="小塚ゴシック Pr6N M"/>
               </a:rPr>
               <a:t>他</a:t>
             </a:r>
             <a:r>
-              <a:rPr kumimoji="1" lang="ja-JP" altLang="en-US" sz="3200" b="1" dirty="0" smtClean="0">
+              <a:rPr kumimoji="1" lang="ja-JP" altLang="en-US" sz="2800" b="1" dirty="0" smtClean="0">
                 <a:ea typeface="小塚ゴシック Pr6N M"/>
               </a:rPr>
               <a:t>の学生</a:t>
             </a:r>
-            <a:endParaRPr kumimoji="1" lang="ja-JP" altLang="en-US" sz="3200" b="1" dirty="0">
+            <a:endParaRPr kumimoji="1" lang="ja-JP" altLang="en-US" sz="2800" b="1" dirty="0">
               <a:ea typeface="小塚ゴシック Pr6N M"/>
             </a:endParaRPr>
           </a:p>
@@ -6552,6 +6603,1344 @@
           </a:extLst>
         </p:spPr>
       </p:pic>
+      <p:sp>
+        <p:nvSpPr>
+          <p:cNvPr id="48" name="円/楕円 47"/>
+          <p:cNvSpPr/>
+          <p:nvPr/>
+        </p:nvSpPr>
+        <p:spPr>
+          <a:xfrm>
+            <a:off x="14977875" y="18926245"/>
+            <a:ext cx="252029" cy="246190"/>
+          </a:xfrm>
+          <a:prstGeom prst="ellipse">
+            <a:avLst/>
+          </a:prstGeom>
+          <a:solidFill>
+            <a:srgbClr val="92D050"/>
+          </a:solidFill>
+          <a:ln>
+            <a:solidFill>
+              <a:srgbClr val="00B050"/>
+            </a:solidFill>
+          </a:ln>
+        </p:spPr>
+        <p:style>
+          <a:lnRef idx="2">
+            <a:schemeClr val="accent1">
+              <a:shade val="50000"/>
+            </a:schemeClr>
+          </a:lnRef>
+          <a:fillRef idx="1">
+            <a:schemeClr val="accent1"/>
+          </a:fillRef>
+          <a:effectRef idx="0">
+            <a:schemeClr val="accent1"/>
+          </a:effectRef>
+          <a:fontRef idx="minor">
+            <a:schemeClr val="lt1"/>
+          </a:fontRef>
+        </p:style>
+        <p:txBody>
+          <a:bodyPr rtlCol="0" anchor="ctr"/>
+          <a:lstStyle/>
+          <a:p>
+            <a:pPr algn="ctr"/>
+            <a:endParaRPr kumimoji="1" lang="ja-JP" altLang="en-US"/>
+          </a:p>
+        </p:txBody>
+      </p:sp>
+      <p:sp>
+        <p:nvSpPr>
+          <p:cNvPr id="54" name="円/楕円 53"/>
+          <p:cNvSpPr/>
+          <p:nvPr/>
+        </p:nvSpPr>
+        <p:spPr>
+          <a:xfrm>
+            <a:off x="14977875" y="18524363"/>
+            <a:ext cx="252029" cy="246190"/>
+          </a:xfrm>
+          <a:prstGeom prst="ellipse">
+            <a:avLst/>
+          </a:prstGeom>
+          <a:solidFill>
+            <a:schemeClr val="accent6"/>
+          </a:solidFill>
+          <a:ln>
+            <a:solidFill>
+              <a:srgbClr val="92D050"/>
+            </a:solidFill>
+          </a:ln>
+        </p:spPr>
+        <p:style>
+          <a:lnRef idx="2">
+            <a:schemeClr val="accent1">
+              <a:shade val="50000"/>
+            </a:schemeClr>
+          </a:lnRef>
+          <a:fillRef idx="1">
+            <a:schemeClr val="accent1"/>
+          </a:fillRef>
+          <a:effectRef idx="0">
+            <a:schemeClr val="accent1"/>
+          </a:effectRef>
+          <a:fontRef idx="minor">
+            <a:schemeClr val="lt1"/>
+          </a:fontRef>
+        </p:style>
+        <p:txBody>
+          <a:bodyPr rtlCol="0" anchor="ctr"/>
+          <a:lstStyle/>
+          <a:p>
+            <a:pPr algn="ctr"/>
+            <a:endParaRPr kumimoji="1" lang="ja-JP" altLang="en-US">
+              <a:ln>
+                <a:solidFill>
+                  <a:srgbClr val="FFFF00"/>
+                </a:solidFill>
+              </a:ln>
+            </a:endParaRPr>
+          </a:p>
+        </p:txBody>
+      </p:sp>
+      <p:sp>
+        <p:nvSpPr>
+          <p:cNvPr id="55" name="円/楕円 54"/>
+          <p:cNvSpPr/>
+          <p:nvPr/>
+        </p:nvSpPr>
+        <p:spPr>
+          <a:xfrm>
+            <a:off x="13825747" y="19388459"/>
+            <a:ext cx="252029" cy="246190"/>
+          </a:xfrm>
+          <a:prstGeom prst="ellipse">
+            <a:avLst/>
+          </a:prstGeom>
+          <a:solidFill>
+            <a:srgbClr val="92D050"/>
+          </a:solidFill>
+          <a:ln>
+            <a:solidFill>
+              <a:srgbClr val="00B050"/>
+            </a:solidFill>
+          </a:ln>
+        </p:spPr>
+        <p:style>
+          <a:lnRef idx="2">
+            <a:schemeClr val="accent1">
+              <a:shade val="50000"/>
+            </a:schemeClr>
+          </a:lnRef>
+          <a:fillRef idx="1">
+            <a:schemeClr val="accent1"/>
+          </a:fillRef>
+          <a:effectRef idx="0">
+            <a:schemeClr val="accent1"/>
+          </a:effectRef>
+          <a:fontRef idx="minor">
+            <a:schemeClr val="lt1"/>
+          </a:fontRef>
+        </p:style>
+        <p:txBody>
+          <a:bodyPr rtlCol="0" anchor="ctr"/>
+          <a:lstStyle/>
+          <a:p>
+            <a:pPr algn="ctr"/>
+            <a:endParaRPr kumimoji="1" lang="ja-JP" altLang="en-US"/>
+          </a:p>
+        </p:txBody>
+      </p:sp>
+      <p:sp>
+        <p:nvSpPr>
+          <p:cNvPr id="56" name="円/楕円 55"/>
+          <p:cNvSpPr/>
+          <p:nvPr/>
+        </p:nvSpPr>
+        <p:spPr>
+          <a:xfrm>
+            <a:off x="13825747" y="19112103"/>
+            <a:ext cx="252029" cy="246190"/>
+          </a:xfrm>
+          <a:prstGeom prst="ellipse">
+            <a:avLst/>
+          </a:prstGeom>
+          <a:solidFill>
+            <a:schemeClr val="accent6"/>
+          </a:solidFill>
+          <a:ln>
+            <a:solidFill>
+              <a:srgbClr val="92D050"/>
+            </a:solidFill>
+          </a:ln>
+        </p:spPr>
+        <p:style>
+          <a:lnRef idx="2">
+            <a:schemeClr val="accent1">
+              <a:shade val="50000"/>
+            </a:schemeClr>
+          </a:lnRef>
+          <a:fillRef idx="1">
+            <a:schemeClr val="accent1"/>
+          </a:fillRef>
+          <a:effectRef idx="0">
+            <a:schemeClr val="accent1"/>
+          </a:effectRef>
+          <a:fontRef idx="minor">
+            <a:schemeClr val="lt1"/>
+          </a:fontRef>
+        </p:style>
+        <p:txBody>
+          <a:bodyPr rtlCol="0" anchor="ctr"/>
+          <a:lstStyle/>
+          <a:p>
+            <a:pPr algn="ctr"/>
+            <a:endParaRPr kumimoji="1" lang="ja-JP" altLang="en-US">
+              <a:ln>
+                <a:solidFill>
+                  <a:srgbClr val="FFFF00"/>
+                </a:solidFill>
+              </a:ln>
+            </a:endParaRPr>
+          </a:p>
+        </p:txBody>
+      </p:sp>
+      <p:sp>
+        <p:nvSpPr>
+          <p:cNvPr id="57" name="円/楕円 56"/>
+          <p:cNvSpPr/>
+          <p:nvPr/>
+        </p:nvSpPr>
+        <p:spPr>
+          <a:xfrm>
+            <a:off x="12385587" y="20108539"/>
+            <a:ext cx="252029" cy="246190"/>
+          </a:xfrm>
+          <a:prstGeom prst="ellipse">
+            <a:avLst/>
+          </a:prstGeom>
+          <a:solidFill>
+            <a:srgbClr val="92D050"/>
+          </a:solidFill>
+          <a:ln>
+            <a:solidFill>
+              <a:srgbClr val="00B050"/>
+            </a:solidFill>
+          </a:ln>
+        </p:spPr>
+        <p:style>
+          <a:lnRef idx="2">
+            <a:schemeClr val="accent1">
+              <a:shade val="50000"/>
+            </a:schemeClr>
+          </a:lnRef>
+          <a:fillRef idx="1">
+            <a:schemeClr val="accent1"/>
+          </a:fillRef>
+          <a:effectRef idx="0">
+            <a:schemeClr val="accent1"/>
+          </a:effectRef>
+          <a:fontRef idx="minor">
+            <a:schemeClr val="lt1"/>
+          </a:fontRef>
+        </p:style>
+        <p:txBody>
+          <a:bodyPr rtlCol="0" anchor="ctr"/>
+          <a:lstStyle/>
+          <a:p>
+            <a:pPr algn="ctr"/>
+            <a:endParaRPr kumimoji="1" lang="ja-JP" altLang="en-US"/>
+          </a:p>
+        </p:txBody>
+      </p:sp>
+      <p:sp>
+        <p:nvSpPr>
+          <p:cNvPr id="60" name="円/楕円 59"/>
+          <p:cNvSpPr/>
+          <p:nvPr/>
+        </p:nvSpPr>
+        <p:spPr>
+          <a:xfrm>
+            <a:off x="12385587" y="19748499"/>
+            <a:ext cx="252029" cy="246190"/>
+          </a:xfrm>
+          <a:prstGeom prst="ellipse">
+            <a:avLst/>
+          </a:prstGeom>
+          <a:solidFill>
+            <a:schemeClr val="accent6"/>
+          </a:solidFill>
+          <a:ln>
+            <a:solidFill>
+              <a:srgbClr val="92D050"/>
+            </a:solidFill>
+          </a:ln>
+        </p:spPr>
+        <p:style>
+          <a:lnRef idx="2">
+            <a:schemeClr val="accent1">
+              <a:shade val="50000"/>
+            </a:schemeClr>
+          </a:lnRef>
+          <a:fillRef idx="1">
+            <a:schemeClr val="accent1"/>
+          </a:fillRef>
+          <a:effectRef idx="0">
+            <a:schemeClr val="accent1"/>
+          </a:effectRef>
+          <a:fontRef idx="minor">
+            <a:schemeClr val="lt1"/>
+          </a:fontRef>
+        </p:style>
+        <p:txBody>
+          <a:bodyPr rtlCol="0" anchor="ctr"/>
+          <a:lstStyle/>
+          <a:p>
+            <a:pPr algn="ctr"/>
+            <a:endParaRPr kumimoji="1" lang="ja-JP" altLang="en-US">
+              <a:ln>
+                <a:solidFill>
+                  <a:srgbClr val="FFFF00"/>
+                </a:solidFill>
+              </a:ln>
+            </a:endParaRPr>
+          </a:p>
+        </p:txBody>
+      </p:sp>
+      <p:sp>
+        <p:nvSpPr>
+          <p:cNvPr id="61" name="円/楕円 60"/>
+          <p:cNvSpPr/>
+          <p:nvPr/>
+        </p:nvSpPr>
+        <p:spPr>
+          <a:xfrm>
+            <a:off x="15769963" y="18740387"/>
+            <a:ext cx="252029" cy="246190"/>
+          </a:xfrm>
+          <a:prstGeom prst="ellipse">
+            <a:avLst/>
+          </a:prstGeom>
+          <a:solidFill>
+            <a:srgbClr val="92D050"/>
+          </a:solidFill>
+          <a:ln>
+            <a:solidFill>
+              <a:srgbClr val="00B050"/>
+            </a:solidFill>
+          </a:ln>
+        </p:spPr>
+        <p:style>
+          <a:lnRef idx="2">
+            <a:schemeClr val="accent1">
+              <a:shade val="50000"/>
+            </a:schemeClr>
+          </a:lnRef>
+          <a:fillRef idx="1">
+            <a:schemeClr val="accent1"/>
+          </a:fillRef>
+          <a:effectRef idx="0">
+            <a:schemeClr val="accent1"/>
+          </a:effectRef>
+          <a:fontRef idx="minor">
+            <a:schemeClr val="lt1"/>
+          </a:fontRef>
+        </p:style>
+        <p:txBody>
+          <a:bodyPr rtlCol="0" anchor="ctr"/>
+          <a:lstStyle/>
+          <a:p>
+            <a:pPr algn="ctr"/>
+            <a:endParaRPr kumimoji="1" lang="ja-JP" altLang="en-US"/>
+          </a:p>
+        </p:txBody>
+      </p:sp>
+      <p:sp>
+        <p:nvSpPr>
+          <p:cNvPr id="62" name="円/楕円 61"/>
+          <p:cNvSpPr/>
+          <p:nvPr/>
+        </p:nvSpPr>
+        <p:spPr>
+          <a:xfrm>
+            <a:off x="15769963" y="18338505"/>
+            <a:ext cx="252029" cy="246190"/>
+          </a:xfrm>
+          <a:prstGeom prst="ellipse">
+            <a:avLst/>
+          </a:prstGeom>
+          <a:solidFill>
+            <a:schemeClr val="accent6"/>
+          </a:solidFill>
+          <a:ln>
+            <a:solidFill>
+              <a:srgbClr val="92D050"/>
+            </a:solidFill>
+          </a:ln>
+        </p:spPr>
+        <p:style>
+          <a:lnRef idx="2">
+            <a:schemeClr val="accent1">
+              <a:shade val="50000"/>
+            </a:schemeClr>
+          </a:lnRef>
+          <a:fillRef idx="1">
+            <a:schemeClr val="accent1"/>
+          </a:fillRef>
+          <a:effectRef idx="0">
+            <a:schemeClr val="accent1"/>
+          </a:effectRef>
+          <a:fontRef idx="minor">
+            <a:schemeClr val="lt1"/>
+          </a:fontRef>
+        </p:style>
+        <p:txBody>
+          <a:bodyPr rtlCol="0" anchor="ctr"/>
+          <a:lstStyle/>
+          <a:p>
+            <a:pPr algn="ctr"/>
+            <a:endParaRPr kumimoji="1" lang="ja-JP" altLang="en-US">
+              <a:ln>
+                <a:solidFill>
+                  <a:srgbClr val="FFFF00"/>
+                </a:solidFill>
+              </a:ln>
+            </a:endParaRPr>
+          </a:p>
+        </p:txBody>
+      </p:sp>
+      <p:sp>
+        <p:nvSpPr>
+          <p:cNvPr id="65" name="円/楕円 64"/>
+          <p:cNvSpPr/>
+          <p:nvPr/>
+        </p:nvSpPr>
+        <p:spPr>
+          <a:xfrm>
+            <a:off x="18218235" y="17990141"/>
+            <a:ext cx="252029" cy="246190"/>
+          </a:xfrm>
+          <a:prstGeom prst="ellipse">
+            <a:avLst/>
+          </a:prstGeom>
+          <a:solidFill>
+            <a:srgbClr val="92D050"/>
+          </a:solidFill>
+          <a:ln>
+            <a:solidFill>
+              <a:srgbClr val="00B050"/>
+            </a:solidFill>
+          </a:ln>
+        </p:spPr>
+        <p:style>
+          <a:lnRef idx="2">
+            <a:schemeClr val="accent1">
+              <a:shade val="50000"/>
+            </a:schemeClr>
+          </a:lnRef>
+          <a:fillRef idx="1">
+            <a:schemeClr val="accent1"/>
+          </a:fillRef>
+          <a:effectRef idx="0">
+            <a:schemeClr val="accent1"/>
+          </a:effectRef>
+          <a:fontRef idx="minor">
+            <a:schemeClr val="lt1"/>
+          </a:fontRef>
+        </p:style>
+        <p:txBody>
+          <a:bodyPr rtlCol="0" anchor="ctr"/>
+          <a:lstStyle/>
+          <a:p>
+            <a:pPr algn="ctr"/>
+            <a:endParaRPr kumimoji="1" lang="ja-JP" altLang="en-US"/>
+          </a:p>
+        </p:txBody>
+      </p:sp>
+      <p:sp>
+        <p:nvSpPr>
+          <p:cNvPr id="66" name="円/楕円 65"/>
+          <p:cNvSpPr/>
+          <p:nvPr/>
+        </p:nvSpPr>
+        <p:spPr>
+          <a:xfrm>
+            <a:off x="18218235" y="17660267"/>
+            <a:ext cx="252029" cy="246190"/>
+          </a:xfrm>
+          <a:prstGeom prst="ellipse">
+            <a:avLst/>
+          </a:prstGeom>
+          <a:solidFill>
+            <a:schemeClr val="accent6"/>
+          </a:solidFill>
+          <a:ln>
+            <a:solidFill>
+              <a:srgbClr val="92D050"/>
+            </a:solidFill>
+          </a:ln>
+        </p:spPr>
+        <p:style>
+          <a:lnRef idx="2">
+            <a:schemeClr val="accent1">
+              <a:shade val="50000"/>
+            </a:schemeClr>
+          </a:lnRef>
+          <a:fillRef idx="1">
+            <a:schemeClr val="accent1"/>
+          </a:fillRef>
+          <a:effectRef idx="0">
+            <a:schemeClr val="accent1"/>
+          </a:effectRef>
+          <a:fontRef idx="minor">
+            <a:schemeClr val="lt1"/>
+          </a:fontRef>
+        </p:style>
+        <p:txBody>
+          <a:bodyPr rtlCol="0" anchor="ctr"/>
+          <a:lstStyle/>
+          <a:p>
+            <a:pPr algn="ctr"/>
+            <a:endParaRPr kumimoji="1" lang="ja-JP" altLang="en-US">
+              <a:ln>
+                <a:solidFill>
+                  <a:srgbClr val="FFFF00"/>
+                </a:solidFill>
+              </a:ln>
+            </a:endParaRPr>
+          </a:p>
+        </p:txBody>
+      </p:sp>
+      <p:sp>
+        <p:nvSpPr>
+          <p:cNvPr id="67" name="円/楕円 66"/>
+          <p:cNvSpPr/>
+          <p:nvPr/>
+        </p:nvSpPr>
+        <p:spPr>
+          <a:xfrm>
+            <a:off x="17498155" y="18380347"/>
+            <a:ext cx="252029" cy="246190"/>
+          </a:xfrm>
+          <a:prstGeom prst="ellipse">
+            <a:avLst/>
+          </a:prstGeom>
+          <a:solidFill>
+            <a:srgbClr val="92D050"/>
+          </a:solidFill>
+          <a:ln>
+            <a:solidFill>
+              <a:srgbClr val="00B050"/>
+            </a:solidFill>
+          </a:ln>
+        </p:spPr>
+        <p:style>
+          <a:lnRef idx="2">
+            <a:schemeClr val="accent1">
+              <a:shade val="50000"/>
+            </a:schemeClr>
+          </a:lnRef>
+          <a:fillRef idx="1">
+            <a:schemeClr val="accent1"/>
+          </a:fillRef>
+          <a:effectRef idx="0">
+            <a:schemeClr val="accent1"/>
+          </a:effectRef>
+          <a:fontRef idx="minor">
+            <a:schemeClr val="lt1"/>
+          </a:fontRef>
+        </p:style>
+        <p:txBody>
+          <a:bodyPr rtlCol="0" anchor="ctr"/>
+          <a:lstStyle/>
+          <a:p>
+            <a:pPr algn="ctr"/>
+            <a:endParaRPr kumimoji="1" lang="ja-JP" altLang="en-US"/>
+          </a:p>
+        </p:txBody>
+      </p:sp>
+      <p:sp>
+        <p:nvSpPr>
+          <p:cNvPr id="68" name="円/楕円 67"/>
+          <p:cNvSpPr/>
+          <p:nvPr/>
+        </p:nvSpPr>
+        <p:spPr>
+          <a:xfrm>
+            <a:off x="17498155" y="18050473"/>
+            <a:ext cx="252029" cy="246190"/>
+          </a:xfrm>
+          <a:prstGeom prst="ellipse">
+            <a:avLst/>
+          </a:prstGeom>
+          <a:solidFill>
+            <a:schemeClr val="accent6"/>
+          </a:solidFill>
+          <a:ln>
+            <a:solidFill>
+              <a:srgbClr val="92D050"/>
+            </a:solidFill>
+          </a:ln>
+        </p:spPr>
+        <p:style>
+          <a:lnRef idx="2">
+            <a:schemeClr val="accent1">
+              <a:shade val="50000"/>
+            </a:schemeClr>
+          </a:lnRef>
+          <a:fillRef idx="1">
+            <a:schemeClr val="accent1"/>
+          </a:fillRef>
+          <a:effectRef idx="0">
+            <a:schemeClr val="accent1"/>
+          </a:effectRef>
+          <a:fontRef idx="minor">
+            <a:schemeClr val="lt1"/>
+          </a:fontRef>
+        </p:style>
+        <p:txBody>
+          <a:bodyPr rtlCol="0" anchor="ctr"/>
+          <a:lstStyle/>
+          <a:p>
+            <a:pPr algn="ctr"/>
+            <a:endParaRPr kumimoji="1" lang="ja-JP" altLang="en-US">
+              <a:ln>
+                <a:solidFill>
+                  <a:srgbClr val="FFFF00"/>
+                </a:solidFill>
+              </a:ln>
+            </a:endParaRPr>
+          </a:p>
+        </p:txBody>
+      </p:sp>
+      <p:sp>
+        <p:nvSpPr>
+          <p:cNvPr id="69" name="円/楕円 68"/>
+          <p:cNvSpPr/>
+          <p:nvPr/>
+        </p:nvSpPr>
+        <p:spPr>
+          <a:xfrm>
+            <a:off x="13537715" y="19532475"/>
+            <a:ext cx="252029" cy="246190"/>
+          </a:xfrm>
+          <a:prstGeom prst="ellipse">
+            <a:avLst/>
+          </a:prstGeom>
+          <a:solidFill>
+            <a:srgbClr val="92D050"/>
+          </a:solidFill>
+          <a:ln>
+            <a:solidFill>
+              <a:srgbClr val="00B050"/>
+            </a:solidFill>
+          </a:ln>
+        </p:spPr>
+        <p:style>
+          <a:lnRef idx="2">
+            <a:schemeClr val="accent1">
+              <a:shade val="50000"/>
+            </a:schemeClr>
+          </a:lnRef>
+          <a:fillRef idx="1">
+            <a:schemeClr val="accent1"/>
+          </a:fillRef>
+          <a:effectRef idx="0">
+            <a:schemeClr val="accent1"/>
+          </a:effectRef>
+          <a:fontRef idx="minor">
+            <a:schemeClr val="lt1"/>
+          </a:fontRef>
+        </p:style>
+        <p:txBody>
+          <a:bodyPr rtlCol="0" anchor="ctr"/>
+          <a:lstStyle/>
+          <a:p>
+            <a:pPr algn="ctr"/>
+            <a:endParaRPr kumimoji="1" lang="ja-JP" altLang="en-US"/>
+          </a:p>
+        </p:txBody>
+      </p:sp>
+      <p:sp>
+        <p:nvSpPr>
+          <p:cNvPr id="74" name="円/楕円 73"/>
+          <p:cNvSpPr/>
+          <p:nvPr/>
+        </p:nvSpPr>
+        <p:spPr>
+          <a:xfrm>
+            <a:off x="13537715" y="19286285"/>
+            <a:ext cx="252029" cy="246190"/>
+          </a:xfrm>
+          <a:prstGeom prst="ellipse">
+            <a:avLst/>
+          </a:prstGeom>
+          <a:solidFill>
+            <a:schemeClr val="accent6"/>
+          </a:solidFill>
+          <a:ln>
+            <a:solidFill>
+              <a:srgbClr val="92D050"/>
+            </a:solidFill>
+          </a:ln>
+        </p:spPr>
+        <p:style>
+          <a:lnRef idx="2">
+            <a:schemeClr val="accent1">
+              <a:shade val="50000"/>
+            </a:schemeClr>
+          </a:lnRef>
+          <a:fillRef idx="1">
+            <a:schemeClr val="accent1"/>
+          </a:fillRef>
+          <a:effectRef idx="0">
+            <a:schemeClr val="accent1"/>
+          </a:effectRef>
+          <a:fontRef idx="minor">
+            <a:schemeClr val="lt1"/>
+          </a:fontRef>
+        </p:style>
+        <p:txBody>
+          <a:bodyPr rtlCol="0" anchor="ctr"/>
+          <a:lstStyle/>
+          <a:p>
+            <a:pPr algn="ctr"/>
+            <a:endParaRPr kumimoji="1" lang="ja-JP" altLang="en-US">
+              <a:ln>
+                <a:solidFill>
+                  <a:srgbClr val="FFFF00"/>
+                </a:solidFill>
+              </a:ln>
+            </a:endParaRPr>
+          </a:p>
+        </p:txBody>
+      </p:sp>
+      <p:sp>
+        <p:nvSpPr>
+          <p:cNvPr id="75" name="円/楕円 74"/>
+          <p:cNvSpPr/>
+          <p:nvPr/>
+        </p:nvSpPr>
+        <p:spPr>
+          <a:xfrm>
+            <a:off x="17138115" y="18854237"/>
+            <a:ext cx="252029" cy="246190"/>
+          </a:xfrm>
+          <a:prstGeom prst="ellipse">
+            <a:avLst/>
+          </a:prstGeom>
+          <a:solidFill>
+            <a:srgbClr val="92D050"/>
+          </a:solidFill>
+          <a:ln>
+            <a:solidFill>
+              <a:srgbClr val="00B050"/>
+            </a:solidFill>
+          </a:ln>
+        </p:spPr>
+        <p:style>
+          <a:lnRef idx="2">
+            <a:schemeClr val="accent1">
+              <a:shade val="50000"/>
+            </a:schemeClr>
+          </a:lnRef>
+          <a:fillRef idx="1">
+            <a:schemeClr val="accent1"/>
+          </a:fillRef>
+          <a:effectRef idx="0">
+            <a:schemeClr val="accent1"/>
+          </a:effectRef>
+          <a:fontRef idx="minor">
+            <a:schemeClr val="lt1"/>
+          </a:fontRef>
+        </p:style>
+        <p:txBody>
+          <a:bodyPr rtlCol="0" anchor="ctr"/>
+          <a:lstStyle/>
+          <a:p>
+            <a:pPr algn="ctr"/>
+            <a:endParaRPr kumimoji="1" lang="ja-JP" altLang="en-US"/>
+          </a:p>
+        </p:txBody>
+      </p:sp>
+      <p:sp>
+        <p:nvSpPr>
+          <p:cNvPr id="76" name="円/楕円 75"/>
+          <p:cNvSpPr/>
+          <p:nvPr/>
+        </p:nvSpPr>
+        <p:spPr>
+          <a:xfrm>
+            <a:off x="15481931" y="18638213"/>
+            <a:ext cx="252029" cy="246190"/>
+          </a:xfrm>
+          <a:prstGeom prst="ellipse">
+            <a:avLst/>
+          </a:prstGeom>
+          <a:solidFill>
+            <a:srgbClr val="92D050"/>
+          </a:solidFill>
+          <a:ln>
+            <a:solidFill>
+              <a:srgbClr val="00B050"/>
+            </a:solidFill>
+          </a:ln>
+        </p:spPr>
+        <p:style>
+          <a:lnRef idx="2">
+            <a:schemeClr val="accent1">
+              <a:shade val="50000"/>
+            </a:schemeClr>
+          </a:lnRef>
+          <a:fillRef idx="1">
+            <a:schemeClr val="accent1"/>
+          </a:fillRef>
+          <a:effectRef idx="0">
+            <a:schemeClr val="accent1"/>
+          </a:effectRef>
+          <a:fontRef idx="minor">
+            <a:schemeClr val="lt1"/>
+          </a:fontRef>
+        </p:style>
+        <p:txBody>
+          <a:bodyPr rtlCol="0" anchor="ctr"/>
+          <a:lstStyle/>
+          <a:p>
+            <a:pPr algn="ctr"/>
+            <a:endParaRPr kumimoji="1" lang="ja-JP" altLang="en-US"/>
+          </a:p>
+        </p:txBody>
+      </p:sp>
+      <p:sp>
+        <p:nvSpPr>
+          <p:cNvPr id="77" name="円/楕円 76"/>
+          <p:cNvSpPr/>
+          <p:nvPr/>
+        </p:nvSpPr>
+        <p:spPr>
+          <a:xfrm>
+            <a:off x="14581832" y="19430301"/>
+            <a:ext cx="252029" cy="246190"/>
+          </a:xfrm>
+          <a:prstGeom prst="ellipse">
+            <a:avLst/>
+          </a:prstGeom>
+          <a:solidFill>
+            <a:srgbClr val="92D050"/>
+          </a:solidFill>
+          <a:ln>
+            <a:solidFill>
+              <a:srgbClr val="00B050"/>
+            </a:solidFill>
+          </a:ln>
+        </p:spPr>
+        <p:style>
+          <a:lnRef idx="2">
+            <a:schemeClr val="accent1">
+              <a:shade val="50000"/>
+            </a:schemeClr>
+          </a:lnRef>
+          <a:fillRef idx="1">
+            <a:schemeClr val="accent1"/>
+          </a:fillRef>
+          <a:effectRef idx="0">
+            <a:schemeClr val="accent1"/>
+          </a:effectRef>
+          <a:fontRef idx="minor">
+            <a:schemeClr val="lt1"/>
+          </a:fontRef>
+        </p:style>
+        <p:txBody>
+          <a:bodyPr rtlCol="0" anchor="ctr"/>
+          <a:lstStyle/>
+          <a:p>
+            <a:pPr algn="ctr"/>
+            <a:endParaRPr kumimoji="1" lang="ja-JP" altLang="en-US"/>
+          </a:p>
+        </p:txBody>
+      </p:sp>
+      <p:sp>
+        <p:nvSpPr>
+          <p:cNvPr id="78" name="円/楕円 77"/>
+          <p:cNvSpPr/>
+          <p:nvPr/>
+        </p:nvSpPr>
+        <p:spPr>
+          <a:xfrm>
+            <a:off x="15301912" y="19244443"/>
+            <a:ext cx="252029" cy="246190"/>
+          </a:xfrm>
+          <a:prstGeom prst="ellipse">
+            <a:avLst/>
+          </a:prstGeom>
+          <a:solidFill>
+            <a:srgbClr val="92D050"/>
+          </a:solidFill>
+          <a:ln>
+            <a:solidFill>
+              <a:srgbClr val="00B050"/>
+            </a:solidFill>
+          </a:ln>
+        </p:spPr>
+        <p:style>
+          <a:lnRef idx="2">
+            <a:schemeClr val="accent1">
+              <a:shade val="50000"/>
+            </a:schemeClr>
+          </a:lnRef>
+          <a:fillRef idx="1">
+            <a:schemeClr val="accent1"/>
+          </a:fillRef>
+          <a:effectRef idx="0">
+            <a:schemeClr val="accent1"/>
+          </a:effectRef>
+          <a:fontRef idx="minor">
+            <a:schemeClr val="lt1"/>
+          </a:fontRef>
+        </p:style>
+        <p:txBody>
+          <a:bodyPr rtlCol="0" anchor="ctr"/>
+          <a:lstStyle/>
+          <a:p>
+            <a:pPr algn="ctr"/>
+            <a:endParaRPr kumimoji="1" lang="ja-JP" altLang="en-US"/>
+          </a:p>
+        </p:txBody>
+      </p:sp>
+      <p:sp>
+        <p:nvSpPr>
+          <p:cNvPr id="79" name="円/楕円 78"/>
+          <p:cNvSpPr/>
+          <p:nvPr/>
+        </p:nvSpPr>
+        <p:spPr>
+          <a:xfrm>
+            <a:off x="16742072" y="19358293"/>
+            <a:ext cx="252029" cy="246190"/>
+          </a:xfrm>
+          <a:prstGeom prst="ellipse">
+            <a:avLst/>
+          </a:prstGeom>
+          <a:solidFill>
+            <a:srgbClr val="92D050"/>
+          </a:solidFill>
+          <a:ln>
+            <a:solidFill>
+              <a:srgbClr val="00B050"/>
+            </a:solidFill>
+          </a:ln>
+        </p:spPr>
+        <p:style>
+          <a:lnRef idx="2">
+            <a:schemeClr val="accent1">
+              <a:shade val="50000"/>
+            </a:schemeClr>
+          </a:lnRef>
+          <a:fillRef idx="1">
+            <a:schemeClr val="accent1"/>
+          </a:fillRef>
+          <a:effectRef idx="0">
+            <a:schemeClr val="accent1"/>
+          </a:effectRef>
+          <a:fontRef idx="minor">
+            <a:schemeClr val="lt1"/>
+          </a:fontRef>
+        </p:style>
+        <p:txBody>
+          <a:bodyPr rtlCol="0" anchor="ctr"/>
+          <a:lstStyle/>
+          <a:p>
+            <a:pPr algn="ctr"/>
+            <a:endParaRPr kumimoji="1" lang="ja-JP" altLang="en-US"/>
+          </a:p>
+        </p:txBody>
+      </p:sp>
+      <p:sp>
+        <p:nvSpPr>
+          <p:cNvPr id="80" name="円/楕円 79"/>
+          <p:cNvSpPr/>
+          <p:nvPr/>
+        </p:nvSpPr>
+        <p:spPr>
+          <a:xfrm>
+            <a:off x="16346027" y="18350181"/>
+            <a:ext cx="252029" cy="246190"/>
+          </a:xfrm>
+          <a:prstGeom prst="ellipse">
+            <a:avLst/>
+          </a:prstGeom>
+          <a:solidFill>
+            <a:srgbClr val="92D050"/>
+          </a:solidFill>
+          <a:ln>
+            <a:solidFill>
+              <a:srgbClr val="00B050"/>
+            </a:solidFill>
+          </a:ln>
+        </p:spPr>
+        <p:style>
+          <a:lnRef idx="2">
+            <a:schemeClr val="accent1">
+              <a:shade val="50000"/>
+            </a:schemeClr>
+          </a:lnRef>
+          <a:fillRef idx="1">
+            <a:schemeClr val="accent1"/>
+          </a:fillRef>
+          <a:effectRef idx="0">
+            <a:schemeClr val="accent1"/>
+          </a:effectRef>
+          <a:fontRef idx="minor">
+            <a:schemeClr val="lt1"/>
+          </a:fontRef>
+        </p:style>
+        <p:txBody>
+          <a:bodyPr rtlCol="0" anchor="ctr"/>
+          <a:lstStyle/>
+          <a:p>
+            <a:pPr algn="ctr"/>
+            <a:endParaRPr kumimoji="1" lang="ja-JP" altLang="en-US"/>
+          </a:p>
+        </p:txBody>
+      </p:sp>
+      <p:sp>
+        <p:nvSpPr>
+          <p:cNvPr id="81" name="円/楕円 80"/>
+          <p:cNvSpPr/>
+          <p:nvPr/>
+        </p:nvSpPr>
+        <p:spPr>
+          <a:xfrm>
+            <a:off x="12169563" y="19358293"/>
+            <a:ext cx="252029" cy="246190"/>
+          </a:xfrm>
+          <a:prstGeom prst="ellipse">
+            <a:avLst/>
+          </a:prstGeom>
+          <a:solidFill>
+            <a:srgbClr val="92D050"/>
+          </a:solidFill>
+          <a:ln>
+            <a:solidFill>
+              <a:srgbClr val="00B050"/>
+            </a:solidFill>
+          </a:ln>
+        </p:spPr>
+        <p:style>
+          <a:lnRef idx="2">
+            <a:schemeClr val="accent1">
+              <a:shade val="50000"/>
+            </a:schemeClr>
+          </a:lnRef>
+          <a:fillRef idx="1">
+            <a:schemeClr val="accent1"/>
+          </a:fillRef>
+          <a:effectRef idx="0">
+            <a:schemeClr val="accent1"/>
+          </a:effectRef>
+          <a:fontRef idx="minor">
+            <a:schemeClr val="lt1"/>
+          </a:fontRef>
+        </p:style>
+        <p:txBody>
+          <a:bodyPr rtlCol="0" anchor="ctr"/>
+          <a:lstStyle/>
+          <a:p>
+            <a:pPr algn="ctr"/>
+            <a:endParaRPr kumimoji="1" lang="ja-JP" altLang="en-US"/>
+          </a:p>
+        </p:txBody>
+      </p:sp>
+      <p:sp>
+        <p:nvSpPr>
+          <p:cNvPr id="89" name="円/楕円 88"/>
+          <p:cNvSpPr/>
+          <p:nvPr/>
+        </p:nvSpPr>
+        <p:spPr>
+          <a:xfrm>
+            <a:off x="12961651" y="19172435"/>
+            <a:ext cx="252029" cy="246190"/>
+          </a:xfrm>
+          <a:prstGeom prst="ellipse">
+            <a:avLst/>
+          </a:prstGeom>
+          <a:solidFill>
+            <a:srgbClr val="92D050"/>
+          </a:solidFill>
+          <a:ln>
+            <a:solidFill>
+              <a:srgbClr val="00B050"/>
+            </a:solidFill>
+          </a:ln>
+        </p:spPr>
+        <p:style>
+          <a:lnRef idx="2">
+            <a:schemeClr val="accent1">
+              <a:shade val="50000"/>
+            </a:schemeClr>
+          </a:lnRef>
+          <a:fillRef idx="1">
+            <a:schemeClr val="accent1"/>
+          </a:fillRef>
+          <a:effectRef idx="0">
+            <a:schemeClr val="accent1"/>
+          </a:effectRef>
+          <a:fontRef idx="minor">
+            <a:schemeClr val="lt1"/>
+          </a:fontRef>
+        </p:style>
+        <p:txBody>
+          <a:bodyPr rtlCol="0" anchor="ctr"/>
+          <a:lstStyle/>
+          <a:p>
+            <a:pPr algn="ctr"/>
+            <a:endParaRPr kumimoji="1" lang="ja-JP" altLang="en-US"/>
+          </a:p>
+        </p:txBody>
+      </p:sp>
+      <p:sp>
+        <p:nvSpPr>
+          <p:cNvPr id="90" name="円/楕円 89"/>
+          <p:cNvSpPr/>
+          <p:nvPr/>
+        </p:nvSpPr>
+        <p:spPr>
+          <a:xfrm>
+            <a:off x="17858195" y="17948299"/>
+            <a:ext cx="252029" cy="246190"/>
+          </a:xfrm>
+          <a:prstGeom prst="ellipse">
+            <a:avLst/>
+          </a:prstGeom>
+          <a:solidFill>
+            <a:srgbClr val="92D050"/>
+          </a:solidFill>
+          <a:ln>
+            <a:solidFill>
+              <a:srgbClr val="00B050"/>
+            </a:solidFill>
+          </a:ln>
+        </p:spPr>
+        <p:style>
+          <a:lnRef idx="2">
+            <a:schemeClr val="accent1">
+              <a:shade val="50000"/>
+            </a:schemeClr>
+          </a:lnRef>
+          <a:fillRef idx="1">
+            <a:schemeClr val="accent1"/>
+          </a:fillRef>
+          <a:effectRef idx="0">
+            <a:schemeClr val="accent1"/>
+          </a:effectRef>
+          <a:fontRef idx="minor">
+            <a:schemeClr val="lt1"/>
+          </a:fontRef>
+        </p:style>
+        <p:txBody>
+          <a:bodyPr rtlCol="0" anchor="ctr"/>
+          <a:lstStyle/>
+          <a:p>
+            <a:pPr algn="ctr"/>
+            <a:endParaRPr kumimoji="1" lang="ja-JP" altLang="en-US"/>
+          </a:p>
+        </p:txBody>
+      </p:sp>
+      <p:sp>
+        <p:nvSpPr>
+          <p:cNvPr id="91" name="円/楕円 90"/>
+          <p:cNvSpPr/>
+          <p:nvPr/>
+        </p:nvSpPr>
+        <p:spPr>
+          <a:xfrm>
+            <a:off x="13969765" y="19634649"/>
+            <a:ext cx="252029" cy="246190"/>
+          </a:xfrm>
+          <a:prstGeom prst="ellipse">
+            <a:avLst/>
+          </a:prstGeom>
+          <a:solidFill>
+            <a:srgbClr val="92D050"/>
+          </a:solidFill>
+          <a:ln>
+            <a:solidFill>
+              <a:srgbClr val="00B050"/>
+            </a:solidFill>
+          </a:ln>
+        </p:spPr>
+        <p:style>
+          <a:lnRef idx="2">
+            <a:schemeClr val="accent1">
+              <a:shade val="50000"/>
+            </a:schemeClr>
+          </a:lnRef>
+          <a:fillRef idx="1">
+            <a:schemeClr val="accent1"/>
+          </a:fillRef>
+          <a:effectRef idx="0">
+            <a:schemeClr val="accent1"/>
+          </a:effectRef>
+          <a:fontRef idx="minor">
+            <a:schemeClr val="lt1"/>
+          </a:fontRef>
+        </p:style>
+        <p:txBody>
+          <a:bodyPr rtlCol="0" anchor="ctr"/>
+          <a:lstStyle/>
+          <a:p>
+            <a:pPr algn="ctr"/>
+            <a:endParaRPr kumimoji="1" lang="ja-JP" altLang="en-US"/>
+          </a:p>
+        </p:txBody>
+      </p:sp>
+      <p:sp>
+        <p:nvSpPr>
+          <p:cNvPr id="92" name="円/楕円 91"/>
+          <p:cNvSpPr/>
+          <p:nvPr/>
+        </p:nvSpPr>
+        <p:spPr>
+          <a:xfrm>
+            <a:off x="12205568" y="20078373"/>
+            <a:ext cx="252029" cy="246190"/>
+          </a:xfrm>
+          <a:prstGeom prst="ellipse">
+            <a:avLst/>
+          </a:prstGeom>
+          <a:solidFill>
+            <a:srgbClr val="92D050"/>
+          </a:solidFill>
+          <a:ln>
+            <a:solidFill>
+              <a:srgbClr val="00B050"/>
+            </a:solidFill>
+          </a:ln>
+        </p:spPr>
+        <p:style>
+          <a:lnRef idx="2">
+            <a:schemeClr val="accent1">
+              <a:shade val="50000"/>
+            </a:schemeClr>
+          </a:lnRef>
+          <a:fillRef idx="1">
+            <a:schemeClr val="accent1"/>
+          </a:fillRef>
+          <a:effectRef idx="0">
+            <a:schemeClr val="accent1"/>
+          </a:effectRef>
+          <a:fontRef idx="minor">
+            <a:schemeClr val="lt1"/>
+          </a:fontRef>
+        </p:style>
+        <p:txBody>
+          <a:bodyPr rtlCol="0" anchor="ctr"/>
+          <a:lstStyle/>
+          <a:p>
+            <a:pPr algn="ctr"/>
+            <a:endParaRPr kumimoji="1" lang="ja-JP" altLang="en-US"/>
+          </a:p>
+        </p:txBody>
+      </p:sp>
+      <p:sp>
+        <p:nvSpPr>
+          <p:cNvPr id="93" name="円/楕円 92"/>
+          <p:cNvSpPr/>
+          <p:nvPr/>
+        </p:nvSpPr>
+        <p:spPr>
+          <a:xfrm>
+            <a:off x="12997656" y="19892515"/>
+            <a:ext cx="252029" cy="246190"/>
+          </a:xfrm>
+          <a:prstGeom prst="ellipse">
+            <a:avLst/>
+          </a:prstGeom>
+          <a:solidFill>
+            <a:srgbClr val="92D050"/>
+          </a:solidFill>
+          <a:ln>
+            <a:solidFill>
+              <a:srgbClr val="00B050"/>
+            </a:solidFill>
+          </a:ln>
+        </p:spPr>
+        <p:style>
+          <a:lnRef idx="2">
+            <a:schemeClr val="accent1">
+              <a:shade val="50000"/>
+            </a:schemeClr>
+          </a:lnRef>
+          <a:fillRef idx="1">
+            <a:schemeClr val="accent1"/>
+          </a:fillRef>
+          <a:effectRef idx="0">
+            <a:schemeClr val="accent1"/>
+          </a:effectRef>
+          <a:fontRef idx="minor">
+            <a:schemeClr val="lt1"/>
+          </a:fontRef>
+        </p:style>
+        <p:txBody>
+          <a:bodyPr rtlCol="0" anchor="ctr"/>
+          <a:lstStyle/>
+          <a:p>
+            <a:pPr algn="ctr"/>
+            <a:endParaRPr kumimoji="1" lang="ja-JP" altLang="en-US"/>
+          </a:p>
+        </p:txBody>
+      </p:sp>
+      <p:sp>
+        <p:nvSpPr>
+          <p:cNvPr id="94" name="円/楕円 93"/>
+          <p:cNvSpPr/>
+          <p:nvPr/>
+        </p:nvSpPr>
+        <p:spPr>
+          <a:xfrm>
+            <a:off x="14365808" y="20006365"/>
+            <a:ext cx="252029" cy="246190"/>
+          </a:xfrm>
+          <a:prstGeom prst="ellipse">
+            <a:avLst/>
+          </a:prstGeom>
+          <a:solidFill>
+            <a:srgbClr val="92D050"/>
+          </a:solidFill>
+          <a:ln>
+            <a:solidFill>
+              <a:srgbClr val="00B050"/>
+            </a:solidFill>
+          </a:ln>
+        </p:spPr>
+        <p:style>
+          <a:lnRef idx="2">
+            <a:schemeClr val="accent1">
+              <a:shade val="50000"/>
+            </a:schemeClr>
+          </a:lnRef>
+          <a:fillRef idx="1">
+            <a:schemeClr val="accent1"/>
+          </a:fillRef>
+          <a:effectRef idx="0">
+            <a:schemeClr val="accent1"/>
+          </a:effectRef>
+          <a:fontRef idx="minor">
+            <a:schemeClr val="lt1"/>
+          </a:fontRef>
+        </p:style>
+        <p:txBody>
+          <a:bodyPr rtlCol="0" anchor="ctr"/>
+          <a:lstStyle/>
+          <a:p>
+            <a:pPr algn="ctr"/>
+            <a:endParaRPr kumimoji="1" lang="ja-JP" altLang="en-US"/>
+          </a:p>
+        </p:txBody>
+      </p:sp>
     </p:spTree>
     <p:extLst>
       <p:ext uri="{BB962C8B-B14F-4D97-AF65-F5344CB8AC3E}">

--- a/卒業論文/2013/鈴木淳子/卒研中間ポスター.pptx
+++ b/卒業論文/2013/鈴木淳子/卒研中間ポスター.pptx
@@ -192,7 +192,7 @@
           <a:p>
             <a:fld id="{FD216639-CED4-47A0-B554-534581D7A030}" type="datetimeFigureOut">
               <a:rPr kumimoji="1" lang="ja-JP" altLang="en-US" smtClean="0"/>
-              <a:t>2014/10/12</a:t>
+              <a:t>2014/10/16</a:t>
             </a:fld>
             <a:endParaRPr kumimoji="1" lang="ja-JP" altLang="en-US"/>
           </a:p>
@@ -673,7 +673,7 @@
           <a:p>
             <a:fld id="{9F0F8175-46C5-4D67-8740-11699C1E35AF}" type="datetimeFigureOut">
               <a:rPr kumimoji="1" lang="ja-JP" altLang="en-US" smtClean="0"/>
-              <a:t>2014/10/12</a:t>
+              <a:t>2014/10/16</a:t>
             </a:fld>
             <a:endParaRPr kumimoji="1" lang="ja-JP" altLang="en-US"/>
           </a:p>
@@ -875,7 +875,7 @@
           <a:p>
             <a:fld id="{9F0F8175-46C5-4D67-8740-11699C1E35AF}" type="datetimeFigureOut">
               <a:rPr kumimoji="1" lang="ja-JP" altLang="en-US" smtClean="0"/>
-              <a:t>2014/10/12</a:t>
+              <a:t>2014/10/16</a:t>
             </a:fld>
             <a:endParaRPr kumimoji="1" lang="ja-JP" altLang="en-US"/>
           </a:p>
@@ -1087,7 +1087,7 @@
           <a:p>
             <a:fld id="{9F0F8175-46C5-4D67-8740-11699C1E35AF}" type="datetimeFigureOut">
               <a:rPr kumimoji="1" lang="ja-JP" altLang="en-US" smtClean="0"/>
-              <a:t>2014/10/12</a:t>
+              <a:t>2014/10/16</a:t>
             </a:fld>
             <a:endParaRPr kumimoji="1" lang="ja-JP" altLang="en-US"/>
           </a:p>
@@ -1289,7 +1289,7 @@
           <a:p>
             <a:fld id="{9F0F8175-46C5-4D67-8740-11699C1E35AF}" type="datetimeFigureOut">
               <a:rPr kumimoji="1" lang="ja-JP" altLang="en-US" smtClean="0"/>
-              <a:t>2014/10/12</a:t>
+              <a:t>2014/10/16</a:t>
             </a:fld>
             <a:endParaRPr kumimoji="1" lang="ja-JP" altLang="en-US"/>
           </a:p>
@@ -1535,7 +1535,7 @@
           <a:p>
             <a:fld id="{9F0F8175-46C5-4D67-8740-11699C1E35AF}" type="datetimeFigureOut">
               <a:rPr kumimoji="1" lang="ja-JP" altLang="en-US" smtClean="0"/>
-              <a:t>2014/10/12</a:t>
+              <a:t>2014/10/16</a:t>
             </a:fld>
             <a:endParaRPr kumimoji="1" lang="ja-JP" altLang="en-US"/>
           </a:p>
@@ -1887,7 +1887,7 @@
           <a:p>
             <a:fld id="{9F0F8175-46C5-4D67-8740-11699C1E35AF}" type="datetimeFigureOut">
               <a:rPr kumimoji="1" lang="ja-JP" altLang="en-US" smtClean="0"/>
-              <a:t>2014/10/12</a:t>
+              <a:t>2014/10/16</a:t>
             </a:fld>
             <a:endParaRPr kumimoji="1" lang="ja-JP" altLang="en-US"/>
           </a:p>
@@ -2378,7 +2378,7 @@
           <a:p>
             <a:fld id="{9F0F8175-46C5-4D67-8740-11699C1E35AF}" type="datetimeFigureOut">
               <a:rPr kumimoji="1" lang="ja-JP" altLang="en-US" smtClean="0"/>
-              <a:t>2014/10/12</a:t>
+              <a:t>2014/10/16</a:t>
             </a:fld>
             <a:endParaRPr kumimoji="1" lang="ja-JP" altLang="en-US"/>
           </a:p>
@@ -2496,7 +2496,7 @@
           <a:p>
             <a:fld id="{9F0F8175-46C5-4D67-8740-11699C1E35AF}" type="datetimeFigureOut">
               <a:rPr kumimoji="1" lang="ja-JP" altLang="en-US" smtClean="0"/>
-              <a:t>2014/10/12</a:t>
+              <a:t>2014/10/16</a:t>
             </a:fld>
             <a:endParaRPr kumimoji="1" lang="ja-JP" altLang="en-US"/>
           </a:p>
@@ -2591,7 +2591,7 @@
           <a:p>
             <a:fld id="{9F0F8175-46C5-4D67-8740-11699C1E35AF}" type="datetimeFigureOut">
               <a:rPr kumimoji="1" lang="ja-JP" altLang="en-US" smtClean="0"/>
-              <a:t>2014/10/12</a:t>
+              <a:t>2014/10/16</a:t>
             </a:fld>
             <a:endParaRPr kumimoji="1" lang="ja-JP" altLang="en-US"/>
           </a:p>
@@ -2900,7 +2900,7 @@
           <a:p>
             <a:fld id="{9F0F8175-46C5-4D67-8740-11699C1E35AF}" type="datetimeFigureOut">
               <a:rPr kumimoji="1" lang="ja-JP" altLang="en-US" smtClean="0"/>
-              <a:t>2014/10/12</a:t>
+              <a:t>2014/10/16</a:t>
             </a:fld>
             <a:endParaRPr kumimoji="1" lang="ja-JP" altLang="en-US"/>
           </a:p>
@@ -3153,7 +3153,7 @@
           <a:p>
             <a:fld id="{9F0F8175-46C5-4D67-8740-11699C1E35AF}" type="datetimeFigureOut">
               <a:rPr kumimoji="1" lang="ja-JP" altLang="en-US" smtClean="0"/>
-              <a:t>2014/10/12</a:t>
+              <a:t>2014/10/16</a:t>
             </a:fld>
             <a:endParaRPr kumimoji="1" lang="ja-JP" altLang="en-US"/>
           </a:p>
@@ -3403,7 +3403,7 @@
           <a:p>
             <a:fld id="{9F0F8175-46C5-4D67-8740-11699C1E35AF}" type="datetimeFigureOut">
               <a:rPr kumimoji="1" lang="ja-JP" altLang="en-US" smtClean="0"/>
-              <a:t>2014/10/12</a:t>
+              <a:t>2014/10/16</a:t>
             </a:fld>
             <a:endParaRPr kumimoji="1" lang="ja-JP" altLang="en-US"/>
           </a:p>
@@ -4593,17 +4593,7 @@
                   <a:latin typeface="+mn-ea"/>
                   <a:ea typeface="小塚ゴシック Pr6N M"/>
                 </a:rPr>
-                <a:t>矢吹グループの</a:t>
-              </a:r>
-              <a:r>
-                <a:rPr lang="ja-JP" altLang="en-US" sz="4000" b="1" dirty="0" smtClean="0">
-                  <a:solidFill>
-                    <a:schemeClr val="tx1"/>
-                  </a:solidFill>
-                  <a:latin typeface="+mn-ea"/>
-                  <a:ea typeface="小塚ゴシック Pr6N M"/>
-                </a:rPr>
-                <a:t>学生</a:t>
+                <a:t>矢吹グループの学生</a:t>
               </a:r>
               <a:endParaRPr lang="en-US" altLang="ja-JP" sz="4000" b="1" dirty="0" smtClean="0">
                 <a:solidFill>
@@ -5108,39 +5098,18 @@
                 <a:t>④</a:t>
               </a:r>
               <a:r>
-                <a:rPr lang="ja-JP" altLang="en-US" sz="4800" b="1" dirty="0">
+                <a:rPr lang="ja-JP" altLang="en-US" sz="4800" b="1" dirty="0" smtClean="0">
                   <a:latin typeface="+mn-ea"/>
                   <a:ea typeface="小塚ゴシック Pr6N M"/>
                 </a:rPr>
-                <a:t>ＰＭＢＯＫ</a:t>
+                <a:t>ＰＭＢＯＫの「知識</a:t>
               </a:r>
               <a:r>
                 <a:rPr lang="ja-JP" altLang="en-US" sz="4800" b="1" dirty="0" smtClean="0">
                   <a:latin typeface="+mn-ea"/>
                   <a:ea typeface="小塚ゴシック Pr6N M"/>
                 </a:rPr>
-                <a:t>「</a:t>
-              </a:r>
-              <a:r>
-                <a:rPr lang="en-US" altLang="ja-JP" sz="4800" b="1" dirty="0" smtClean="0">
-                  <a:latin typeface="+mn-ea"/>
-                  <a:ea typeface="小塚ゴシック Pr6N M"/>
-                </a:rPr>
-                <a:t>9</a:t>
-              </a:r>
-              <a:r>
-                <a:rPr lang="ja-JP" altLang="en-US" sz="4800" b="1" dirty="0" err="1" smtClean="0">
-                  <a:latin typeface="+mn-ea"/>
-                  <a:ea typeface="小塚ゴシック Pr6N M"/>
-                </a:rPr>
-                <a:t>つの</a:t>
-              </a:r>
-              <a:r>
-                <a:rPr lang="ja-JP" altLang="en-US" sz="4800" b="1" dirty="0" smtClean="0">
-                  <a:latin typeface="+mn-ea"/>
-                  <a:ea typeface="小塚ゴシック Pr6N M"/>
-                </a:rPr>
-                <a:t>知識エリア」について学習</a:t>
+                <a:t>エリア」について学習</a:t>
               </a:r>
               <a:endParaRPr lang="en-US" altLang="ja-JP" sz="4800" b="1" dirty="0" smtClean="0">
                 <a:latin typeface="+mn-ea"/>
@@ -5153,28 +5122,21 @@
                   <a:latin typeface="+mn-ea"/>
                   <a:ea typeface="小塚ゴシック Pr6N M"/>
                 </a:rPr>
-                <a:t>⑤テーマにした物語を「</a:t>
-              </a:r>
-              <a:r>
-                <a:rPr lang="en-US" altLang="ja-JP" sz="4800" b="1" dirty="0" smtClean="0">
-                  <a:latin typeface="+mn-ea"/>
-                  <a:ea typeface="小塚ゴシック Pr6N M"/>
-                </a:rPr>
-                <a:t>9</a:t>
-              </a:r>
-              <a:r>
-                <a:rPr lang="ja-JP" altLang="en-US" sz="4800" b="1" dirty="0" err="1" smtClean="0">
-                  <a:latin typeface="+mn-ea"/>
-                  <a:ea typeface="小塚ゴシック Pr6N M"/>
-                </a:rPr>
-                <a:t>つの</a:t>
+                <a:t>⑤テーマにした物語を</a:t>
               </a:r>
               <a:r>
                 <a:rPr lang="ja-JP" altLang="en-US" sz="4800" b="1" dirty="0" smtClean="0">
                   <a:latin typeface="+mn-ea"/>
                   <a:ea typeface="小塚ゴシック Pr6N M"/>
                 </a:rPr>
-                <a:t>知識エリア」に</a:t>
+                <a:t>「知識</a:t>
+              </a:r>
+              <a:r>
+                <a:rPr lang="ja-JP" altLang="en-US" sz="4800" b="1" dirty="0" smtClean="0">
+                  <a:latin typeface="+mn-ea"/>
+                  <a:ea typeface="小塚ゴシック Pr6N M"/>
+                </a:rPr>
+                <a:t>エリア」に</a:t>
               </a:r>
               <a:endParaRPr lang="en-US" altLang="ja-JP" sz="4800" b="1" dirty="0" smtClean="0">
                 <a:latin typeface="+mn-ea"/>
@@ -5803,13 +5765,7 @@
               <a:rPr lang="ja-JP" altLang="ja-JP" sz="4800" b="1" dirty="0" smtClean="0">
                 <a:ea typeface="小塚ゴシック Pr6N M"/>
               </a:rPr>
-              <a:t>プロジェクトマネジメントに</a:t>
-            </a:r>
-            <a:r>
-              <a:rPr lang="ja-JP" altLang="ja-JP" sz="4800" b="1" dirty="0" smtClean="0">
-                <a:ea typeface="小塚ゴシック Pr6N M"/>
-              </a:rPr>
-              <a:t>関する</a:t>
+              <a:t>プロジェクトマネジメントに関する</a:t>
             </a:r>
             <a:endParaRPr lang="en-US" altLang="ja-JP" sz="4800" b="1" dirty="0">
               <a:ea typeface="小塚ゴシック Pr6N M"/>
@@ -5826,13 +5782,7 @@
               <a:rPr lang="ja-JP" altLang="ja-JP" sz="4800" b="1" dirty="0" smtClean="0">
                 <a:ea typeface="小塚ゴシック Pr6N M"/>
               </a:rPr>
-              <a:t>授業</a:t>
-            </a:r>
-            <a:r>
-              <a:rPr lang="ja-JP" altLang="ja-JP" sz="4800" b="1" dirty="0" smtClean="0">
-                <a:ea typeface="小塚ゴシック Pr6N M"/>
-              </a:rPr>
-              <a:t>の成績）</a:t>
+              <a:t>授業の成績）</a:t>
             </a:r>
             <a:endParaRPr lang="en-US" altLang="ja-JP" sz="4800" b="1" dirty="0" smtClean="0">
               <a:ea typeface="小塚ゴシック Pr6N M"/>

--- a/卒業論文/2013/鈴木淳子/卒研中間ポスター.pptx
+++ b/卒業論文/2013/鈴木淳子/卒研中間ポスター.pptx
@@ -3218,14 +3218,9 @@
 <p:sldMaster xmlns:a="http://schemas.openxmlformats.org/drawingml/2006/main" xmlns:r="http://schemas.openxmlformats.org/officeDocument/2006/relationships" xmlns:p="http://schemas.openxmlformats.org/presentationml/2006/main">
   <p:cSld>
     <p:bg>
-      <p:bgPr>
-        <a:solidFill>
-          <a:srgbClr val="FF66CC">
-            <a:alpha val="25000"/>
-          </a:srgbClr>
-        </a:solidFill>
-        <a:effectLst/>
-      </p:bgPr>
+      <p:bgRef idx="1001">
+        <a:schemeClr val="bg1"/>
+      </p:bgRef>
     </p:bg>
     <p:spTree>
       <p:nvGrpSpPr>
@@ -5095,21 +5090,7 @@
                   <a:latin typeface="+mn-ea"/>
                   <a:ea typeface="小塚ゴシック Pr6N M"/>
                 </a:rPr>
-                <a:t>④</a:t>
-              </a:r>
-              <a:r>
-                <a:rPr lang="ja-JP" altLang="en-US" sz="4800" b="1" dirty="0" smtClean="0">
-                  <a:latin typeface="+mn-ea"/>
-                  <a:ea typeface="小塚ゴシック Pr6N M"/>
-                </a:rPr>
-                <a:t>ＰＭＢＯＫの「知識</a:t>
-              </a:r>
-              <a:r>
-                <a:rPr lang="ja-JP" altLang="en-US" sz="4800" b="1" dirty="0" smtClean="0">
-                  <a:latin typeface="+mn-ea"/>
-                  <a:ea typeface="小塚ゴシック Pr6N M"/>
-                </a:rPr>
-                <a:t>エリア」について学習</a:t>
+                <a:t>④ＰＭＢＯＫの「知識エリア」について学習</a:t>
               </a:r>
               <a:endParaRPr lang="en-US" altLang="ja-JP" sz="4800" b="1" dirty="0" smtClean="0">
                 <a:latin typeface="+mn-ea"/>
@@ -5122,21 +5103,7 @@
                   <a:latin typeface="+mn-ea"/>
                   <a:ea typeface="小塚ゴシック Pr6N M"/>
                 </a:rPr>
-                <a:t>⑤テーマにした物語を</a:t>
-              </a:r>
-              <a:r>
-                <a:rPr lang="ja-JP" altLang="en-US" sz="4800" b="1" dirty="0" smtClean="0">
-                  <a:latin typeface="+mn-ea"/>
-                  <a:ea typeface="小塚ゴシック Pr6N M"/>
-                </a:rPr>
-                <a:t>「知識</a:t>
-              </a:r>
-              <a:r>
-                <a:rPr lang="ja-JP" altLang="en-US" sz="4800" b="1" dirty="0" smtClean="0">
-                  <a:latin typeface="+mn-ea"/>
-                  <a:ea typeface="小塚ゴシック Pr6N M"/>
-                </a:rPr>
-                <a:t>エリア」に</a:t>
+                <a:t>⑤テーマにした物語を「知識エリア」に</a:t>
               </a:r>
               <a:endParaRPr lang="en-US" altLang="ja-JP" sz="4800" b="1" dirty="0" smtClean="0">
                 <a:latin typeface="+mn-ea"/>
